--- a/flutter/중간계획서/UI.pptx
+++ b/flutter/중간계획서/UI.pptx
@@ -5,9 +5,15 @@
     <p:sldMasterId id="2147483648" r:id="rId1"/>
   </p:sldMasterIdLst>
   <p:sldIdLst>
-    <p:sldId id="256" r:id="rId2"/>
-    <p:sldId id="257" r:id="rId3"/>
-    <p:sldId id="258" r:id="rId4"/>
+    <p:sldId id="259" r:id="rId2"/>
+    <p:sldId id="260" r:id="rId3"/>
+    <p:sldId id="261" r:id="rId4"/>
+    <p:sldId id="256" r:id="rId5"/>
+    <p:sldId id="257" r:id="rId6"/>
+    <p:sldId id="258" r:id="rId7"/>
+    <p:sldId id="262" r:id="rId8"/>
+    <p:sldId id="277" r:id="rId9"/>
+    <p:sldId id="278" r:id="rId10"/>
   </p:sldIdLst>
   <p:sldSz cx="12192000" cy="6858000"/>
   <p:notesSz cx="6858000" cy="9144000"/>
@@ -106,6 +112,11 @@
       </a:defRPr>
     </a:lvl9pPr>
   </p:defaultTextStyle>
+  <p:extLst>
+    <p:ext uri="{EFAFB233-063F-42B5-8137-9DF3F51BA10A}">
+      <p15:sldGuideLst xmlns:p15="http://schemas.microsoft.com/office/powerpoint/2012/main"/>
+    </p:ext>
+  </p:extLst>
 </p:presentation>
 </file>
 
@@ -256,7 +267,7 @@
           <a:p>
             <a:fld id="{92D9CC4E-D250-49E2-8250-4E20E42E0137}" type="datetimeFigureOut">
               <a:rPr lang="ko-KR" altLang="en-US" smtClean="0"/>
-              <a:t>2021-10-22</a:t>
+              <a:t>2021-10-27</a:t>
             </a:fld>
             <a:endParaRPr lang="ko-KR" altLang="en-US"/>
           </a:p>
@@ -454,7 +465,7 @@
           <a:p>
             <a:fld id="{92D9CC4E-D250-49E2-8250-4E20E42E0137}" type="datetimeFigureOut">
               <a:rPr lang="ko-KR" altLang="en-US" smtClean="0"/>
-              <a:t>2021-10-22</a:t>
+              <a:t>2021-10-27</a:t>
             </a:fld>
             <a:endParaRPr lang="ko-KR" altLang="en-US"/>
           </a:p>
@@ -662,7 +673,7 @@
           <a:p>
             <a:fld id="{92D9CC4E-D250-49E2-8250-4E20E42E0137}" type="datetimeFigureOut">
               <a:rPr lang="ko-KR" altLang="en-US" smtClean="0"/>
-              <a:t>2021-10-22</a:t>
+              <a:t>2021-10-27</a:t>
             </a:fld>
             <a:endParaRPr lang="ko-KR" altLang="en-US"/>
           </a:p>
@@ -860,7 +871,7 @@
           <a:p>
             <a:fld id="{92D9CC4E-D250-49E2-8250-4E20E42E0137}" type="datetimeFigureOut">
               <a:rPr lang="ko-KR" altLang="en-US" smtClean="0"/>
-              <a:t>2021-10-22</a:t>
+              <a:t>2021-10-27</a:t>
             </a:fld>
             <a:endParaRPr lang="ko-KR" altLang="en-US"/>
           </a:p>
@@ -1135,7 +1146,7 @@
           <a:p>
             <a:fld id="{92D9CC4E-D250-49E2-8250-4E20E42E0137}" type="datetimeFigureOut">
               <a:rPr lang="ko-KR" altLang="en-US" smtClean="0"/>
-              <a:t>2021-10-22</a:t>
+              <a:t>2021-10-27</a:t>
             </a:fld>
             <a:endParaRPr lang="ko-KR" altLang="en-US"/>
           </a:p>
@@ -1400,7 +1411,7 @@
           <a:p>
             <a:fld id="{92D9CC4E-D250-49E2-8250-4E20E42E0137}" type="datetimeFigureOut">
               <a:rPr lang="ko-KR" altLang="en-US" smtClean="0"/>
-              <a:t>2021-10-22</a:t>
+              <a:t>2021-10-27</a:t>
             </a:fld>
             <a:endParaRPr lang="ko-KR" altLang="en-US"/>
           </a:p>
@@ -1812,7 +1823,7 @@
           <a:p>
             <a:fld id="{92D9CC4E-D250-49E2-8250-4E20E42E0137}" type="datetimeFigureOut">
               <a:rPr lang="ko-KR" altLang="en-US" smtClean="0"/>
-              <a:t>2021-10-22</a:t>
+              <a:t>2021-10-27</a:t>
             </a:fld>
             <a:endParaRPr lang="ko-KR" altLang="en-US"/>
           </a:p>
@@ -1953,7 +1964,7 @@
           <a:p>
             <a:fld id="{92D9CC4E-D250-49E2-8250-4E20E42E0137}" type="datetimeFigureOut">
               <a:rPr lang="ko-KR" altLang="en-US" smtClean="0"/>
-              <a:t>2021-10-22</a:t>
+              <a:t>2021-10-27</a:t>
             </a:fld>
             <a:endParaRPr lang="ko-KR" altLang="en-US"/>
           </a:p>
@@ -2066,7 +2077,7 @@
           <a:p>
             <a:fld id="{92D9CC4E-D250-49E2-8250-4E20E42E0137}" type="datetimeFigureOut">
               <a:rPr lang="ko-KR" altLang="en-US" smtClean="0"/>
-              <a:t>2021-10-22</a:t>
+              <a:t>2021-10-27</a:t>
             </a:fld>
             <a:endParaRPr lang="ko-KR" altLang="en-US"/>
           </a:p>
@@ -2377,7 +2388,7 @@
           <a:p>
             <a:fld id="{92D9CC4E-D250-49E2-8250-4E20E42E0137}" type="datetimeFigureOut">
               <a:rPr lang="ko-KR" altLang="en-US" smtClean="0"/>
-              <a:t>2021-10-22</a:t>
+              <a:t>2021-10-27</a:t>
             </a:fld>
             <a:endParaRPr lang="ko-KR" altLang="en-US"/>
           </a:p>
@@ -2665,7 +2676,7 @@
           <a:p>
             <a:fld id="{92D9CC4E-D250-49E2-8250-4E20E42E0137}" type="datetimeFigureOut">
               <a:rPr lang="ko-KR" altLang="en-US" smtClean="0"/>
-              <a:t>2021-10-22</a:t>
+              <a:t>2021-10-27</a:t>
             </a:fld>
             <a:endParaRPr lang="ko-KR" altLang="en-US"/>
           </a:p>
@@ -2906,7 +2917,7 @@
           <a:p>
             <a:fld id="{92D9CC4E-D250-49E2-8250-4E20E42E0137}" type="datetimeFigureOut">
               <a:rPr lang="ko-KR" altLang="en-US" smtClean="0"/>
-              <a:t>2021-10-22</a:t>
+              <a:t>2021-10-27</a:t>
             </a:fld>
             <a:endParaRPr lang="ko-KR" altLang="en-US"/>
           </a:p>
@@ -3337,17 +3348,14 @@
         </p:nvSpPr>
         <p:spPr>
           <a:xfrm>
-            <a:off x="4585982" y="775982"/>
+            <a:off x="4653094" y="1111541"/>
             <a:ext cx="3020036" cy="4798502"/>
           </a:xfrm>
           <a:prstGeom prst="rect">
             <a:avLst/>
           </a:prstGeom>
           <a:solidFill>
-            <a:schemeClr val="accent2">
-              <a:lumMod val="60000"/>
-              <a:lumOff val="40000"/>
-            </a:schemeClr>
+            <a:schemeClr val="tx1"/>
           </a:solidFill>
           <a:ln>
             <a:noFill/>
@@ -3374,16 +3382,120 @@
           <a:lstStyle/>
           <a:p>
             <a:pPr algn="ctr"/>
-            <a:endParaRPr lang="ko-KR" altLang="en-US"/>
-          </a:p>
-        </p:txBody>
-      </p:sp>
-      <p:sp>
-        <p:nvSpPr>
-          <p:cNvPr id="6" name="타원 5">
-            <a:extLst>
-              <a:ext uri="{FF2B5EF4-FFF2-40B4-BE49-F238E27FC236}">
-                <a16:creationId xmlns:a16="http://schemas.microsoft.com/office/drawing/2014/main" id="{4AB1EF67-442D-4C92-B787-9CB160825255}"/>
+            <a:endParaRPr lang="ko-KR" altLang="en-US" dirty="0"/>
+          </a:p>
+        </p:txBody>
+      </p:sp>
+      <p:pic>
+        <p:nvPicPr>
+          <p:cNvPr id="15" name="그림 14" descr="위성이(가) 표시된 사진&#10;&#10;자동 생성된 설명">
+            <a:extLst>
+              <a:ext uri="{FF2B5EF4-FFF2-40B4-BE49-F238E27FC236}">
+                <a16:creationId xmlns:a16="http://schemas.microsoft.com/office/drawing/2014/main" id="{28B613E0-4254-4563-890D-BA503D5F1D5B}"/>
+              </a:ext>
+            </a:extLst>
+          </p:cNvPr>
+          <p:cNvPicPr>
+            <a:picLocks noChangeAspect="1"/>
+          </p:cNvPicPr>
+          <p:nvPr/>
+        </p:nvPicPr>
+        <p:blipFill>
+          <a:blip r:embed="rId2">
+            <a:extLst>
+              <a:ext uri="{28A0092B-C50C-407E-A947-70E740481C1C}">
+                <a14:useLocalDpi xmlns:a14="http://schemas.microsoft.com/office/drawing/2010/main" val="0"/>
+              </a:ext>
+            </a:extLst>
+          </a:blip>
+          <a:stretch>
+            <a:fillRect/>
+          </a:stretch>
+        </p:blipFill>
+        <p:spPr>
+          <a:xfrm>
+            <a:off x="4720080" y="1111542"/>
+            <a:ext cx="1254154" cy="1254154"/>
+          </a:xfrm>
+          <a:prstGeom prst="rect">
+            <a:avLst/>
+          </a:prstGeom>
+        </p:spPr>
+      </p:pic>
+      <p:sp>
+        <p:nvSpPr>
+          <p:cNvPr id="3" name="TextBox 2">
+            <a:extLst>
+              <a:ext uri="{FF2B5EF4-FFF2-40B4-BE49-F238E27FC236}">
+                <a16:creationId xmlns:a16="http://schemas.microsoft.com/office/drawing/2014/main" id="{0B85460E-4241-4F65-A37D-6B13812FAE8C}"/>
+              </a:ext>
+            </a:extLst>
+          </p:cNvPr>
+          <p:cNvSpPr txBox="1"/>
+          <p:nvPr/>
+        </p:nvSpPr>
+        <p:spPr>
+          <a:xfrm>
+            <a:off x="4934250" y="2365696"/>
+            <a:ext cx="2457724" cy="630942"/>
+          </a:xfrm>
+          <a:prstGeom prst="rect">
+            <a:avLst/>
+          </a:prstGeom>
+          <a:noFill/>
+        </p:spPr>
+        <p:txBody>
+          <a:bodyPr wrap="none" rtlCol="0">
+            <a:spAutoFit/>
+          </a:bodyPr>
+          <a:lstStyle/>
+          <a:p>
+            <a:r>
+              <a:rPr lang="ko-KR" altLang="en-US" sz="3500" b="1" dirty="0">
+                <a:solidFill>
+                  <a:schemeClr val="bg1"/>
+                </a:solidFill>
+              </a:rPr>
+              <a:t>먼지</a:t>
+            </a:r>
+            <a:r>
+              <a:rPr lang="en-US" altLang="ko-KR" sz="3500" b="1" dirty="0">
+                <a:solidFill>
+                  <a:schemeClr val="bg1"/>
+                </a:solidFill>
+              </a:rPr>
+              <a:t>, </a:t>
+            </a:r>
+            <a:r>
+              <a:rPr lang="ko-KR" altLang="en-US" sz="3500" b="1" dirty="0">
+                <a:solidFill>
+                  <a:schemeClr val="bg1"/>
+                </a:solidFill>
+              </a:rPr>
+              <a:t>어때</a:t>
+            </a:r>
+            <a:r>
+              <a:rPr lang="en-US" altLang="ko-KR" sz="3500" b="1" dirty="0">
+                <a:solidFill>
+                  <a:schemeClr val="bg1"/>
+                </a:solidFill>
+              </a:rPr>
+              <a:t>?</a:t>
+            </a:r>
+            <a:endParaRPr lang="ko-KR" altLang="en-US" sz="3500" b="1" dirty="0">
+              <a:solidFill>
+                <a:schemeClr val="bg1"/>
+              </a:solidFill>
+            </a:endParaRPr>
+          </a:p>
+        </p:txBody>
+      </p:sp>
+      <p:sp>
+        <p:nvSpPr>
+          <p:cNvPr id="20" name="사각형: 둥근 모서리 19">
+            <a:extLst>
+              <a:ext uri="{FF2B5EF4-FFF2-40B4-BE49-F238E27FC236}">
+                <a16:creationId xmlns:a16="http://schemas.microsoft.com/office/drawing/2014/main" id="{FF19791D-A291-4B3E-8E48-CD5D371A4D29}"/>
               </a:ext>
             </a:extLst>
           </p:cNvPr>
@@ -3392,14 +3504,18 @@
         </p:nvSpPr>
         <p:spPr>
           <a:xfrm>
-            <a:off x="7206143" y="934919"/>
-            <a:ext cx="293613" cy="293613"/>
-          </a:xfrm>
-          <a:prstGeom prst="ellipse">
-            <a:avLst/>
-          </a:prstGeom>
-          <a:noFill/>
-          <a:ln w="28575">
+            <a:off x="5194183" y="4049456"/>
+            <a:ext cx="1937857" cy="402672"/>
+          </a:xfrm>
+          <a:prstGeom prst="roundRect">
+            <a:avLst>
+              <a:gd name="adj" fmla="val 50000"/>
+            </a:avLst>
+          </a:prstGeom>
+          <a:solidFill>
+            <a:schemeClr val="tx1"/>
+          </a:solidFill>
+          <a:ln>
             <a:solidFill>
               <a:schemeClr val="bg1"/>
             </a:solidFill>
@@ -3426,12 +3542,1380 @@
           <a:lstStyle/>
           <a:p>
             <a:pPr algn="ctr"/>
+            <a:r>
+              <a:rPr lang="ko-KR" altLang="en-US" dirty="0"/>
+              <a:t>로그인</a:t>
+            </a:r>
+          </a:p>
+        </p:txBody>
+      </p:sp>
+      <p:sp>
+        <p:nvSpPr>
+          <p:cNvPr id="42" name="사각형: 둥근 모서리 41">
+            <a:extLst>
+              <a:ext uri="{FF2B5EF4-FFF2-40B4-BE49-F238E27FC236}">
+                <a16:creationId xmlns:a16="http://schemas.microsoft.com/office/drawing/2014/main" id="{F9B711D7-CC95-4E17-801E-2744D057E840}"/>
+              </a:ext>
+            </a:extLst>
+          </p:cNvPr>
+          <p:cNvSpPr/>
+          <p:nvPr/>
+        </p:nvSpPr>
+        <p:spPr>
+          <a:xfrm>
+            <a:off x="5194183" y="4778413"/>
+            <a:ext cx="1937857" cy="402672"/>
+          </a:xfrm>
+          <a:prstGeom prst="roundRect">
+            <a:avLst>
+              <a:gd name="adj" fmla="val 50000"/>
+            </a:avLst>
+          </a:prstGeom>
+          <a:solidFill>
+            <a:schemeClr val="tx1"/>
+          </a:solidFill>
+          <a:ln>
+            <a:solidFill>
+              <a:schemeClr val="bg1"/>
+            </a:solidFill>
+          </a:ln>
+        </p:spPr>
+        <p:style>
+          <a:lnRef idx="2">
+            <a:schemeClr val="accent1">
+              <a:shade val="50000"/>
+            </a:schemeClr>
+          </a:lnRef>
+          <a:fillRef idx="1">
+            <a:schemeClr val="accent1"/>
+          </a:fillRef>
+          <a:effectRef idx="0">
+            <a:schemeClr val="accent1"/>
+          </a:effectRef>
+          <a:fontRef idx="minor">
+            <a:schemeClr val="lt1"/>
+          </a:fontRef>
+        </p:style>
+        <p:txBody>
+          <a:bodyPr rtlCol="0" anchor="ctr"/>
+          <a:lstStyle/>
+          <a:p>
+            <a:pPr algn="ctr"/>
+            <a:r>
+              <a:rPr lang="ko-KR" altLang="en-US" dirty="0"/>
+              <a:t>회원가입</a:t>
+            </a:r>
+          </a:p>
+        </p:txBody>
+      </p:sp>
+    </p:spTree>
+    <p:extLst>
+      <p:ext uri="{BB962C8B-B14F-4D97-AF65-F5344CB8AC3E}">
+        <p14:creationId xmlns:p14="http://schemas.microsoft.com/office/powerpoint/2010/main" val="3551310070"/>
+      </p:ext>
+    </p:extLst>
+  </p:cSld>
+  <p:clrMapOvr>
+    <a:masterClrMapping/>
+  </p:clrMapOvr>
+</p:sld>
+</file>
+
+<file path=ppt/slides/slide2.xml><?xml version="1.0" encoding="utf-8"?>
+<p:sld xmlns:a="http://schemas.openxmlformats.org/drawingml/2006/main" xmlns:r="http://schemas.openxmlformats.org/officeDocument/2006/relationships" xmlns:p="http://schemas.openxmlformats.org/presentationml/2006/main">
+  <p:cSld>
+    <p:spTree>
+      <p:nvGrpSpPr>
+        <p:cNvPr id="1" name=""/>
+        <p:cNvGrpSpPr/>
+        <p:nvPr/>
+      </p:nvGrpSpPr>
+      <p:grpSpPr>
+        <a:xfrm>
+          <a:off x="0" y="0"/>
+          <a:ext cx="0" cy="0"/>
+          <a:chOff x="0" y="0"/>
+          <a:chExt cx="0" cy="0"/>
+        </a:xfrm>
+      </p:grpSpPr>
+      <p:sp>
+        <p:nvSpPr>
+          <p:cNvPr id="43" name="직사각형 42">
+            <a:extLst>
+              <a:ext uri="{FF2B5EF4-FFF2-40B4-BE49-F238E27FC236}">
+                <a16:creationId xmlns:a16="http://schemas.microsoft.com/office/drawing/2014/main" id="{9A94DD28-F51F-4AA2-B8AF-73F513D68130}"/>
+              </a:ext>
+            </a:extLst>
+          </p:cNvPr>
+          <p:cNvSpPr/>
+          <p:nvPr/>
+        </p:nvSpPr>
+        <p:spPr>
+          <a:xfrm>
+            <a:off x="4653094" y="1111541"/>
+            <a:ext cx="3020036" cy="4798502"/>
+          </a:xfrm>
+          <a:prstGeom prst="rect">
+            <a:avLst/>
+          </a:prstGeom>
+          <a:solidFill>
+            <a:schemeClr val="tx1"/>
+          </a:solidFill>
+          <a:ln>
+            <a:noFill/>
+          </a:ln>
+        </p:spPr>
+        <p:style>
+          <a:lnRef idx="2">
+            <a:schemeClr val="accent1">
+              <a:shade val="50000"/>
+            </a:schemeClr>
+          </a:lnRef>
+          <a:fillRef idx="1">
+            <a:schemeClr val="accent1"/>
+          </a:fillRef>
+          <a:effectRef idx="0">
+            <a:schemeClr val="accent1"/>
+          </a:effectRef>
+          <a:fontRef idx="minor">
+            <a:schemeClr val="lt1"/>
+          </a:fontRef>
+        </p:style>
+        <p:txBody>
+          <a:bodyPr rtlCol="0" anchor="ctr"/>
+          <a:lstStyle/>
+          <a:p>
+            <a:pPr algn="ctr"/>
+            <a:endParaRPr lang="ko-KR" altLang="en-US" dirty="0"/>
+          </a:p>
+        </p:txBody>
+      </p:sp>
+      <p:pic>
+        <p:nvPicPr>
+          <p:cNvPr id="46" name="그림 45" descr="위성이(가) 표시된 사진&#10;&#10;자동 생성된 설명">
+            <a:extLst>
+              <a:ext uri="{FF2B5EF4-FFF2-40B4-BE49-F238E27FC236}">
+                <a16:creationId xmlns:a16="http://schemas.microsoft.com/office/drawing/2014/main" id="{B4F054A1-9FF8-42AE-B895-8D50EEDCACEB}"/>
+              </a:ext>
+            </a:extLst>
+          </p:cNvPr>
+          <p:cNvPicPr>
+            <a:picLocks noChangeAspect="1"/>
+          </p:cNvPicPr>
+          <p:nvPr/>
+        </p:nvPicPr>
+        <p:blipFill>
+          <a:blip r:embed="rId2">
+            <a:extLst>
+              <a:ext uri="{28A0092B-C50C-407E-A947-70E740481C1C}">
+                <a14:useLocalDpi xmlns:a14="http://schemas.microsoft.com/office/drawing/2010/main" val="0"/>
+              </a:ext>
+            </a:extLst>
+          </a:blip>
+          <a:stretch>
+            <a:fillRect/>
+          </a:stretch>
+        </p:blipFill>
+        <p:spPr>
+          <a:xfrm>
+            <a:off x="4720080" y="1111542"/>
+            <a:ext cx="1254154" cy="1254154"/>
+          </a:xfrm>
+          <a:prstGeom prst="rect">
+            <a:avLst/>
+          </a:prstGeom>
+        </p:spPr>
+      </p:pic>
+      <p:sp>
+        <p:nvSpPr>
+          <p:cNvPr id="47" name="TextBox 46">
+            <a:extLst>
+              <a:ext uri="{FF2B5EF4-FFF2-40B4-BE49-F238E27FC236}">
+                <a16:creationId xmlns:a16="http://schemas.microsoft.com/office/drawing/2014/main" id="{9F25D6E6-71A1-4B9A-98B4-7E212513DAC4}"/>
+              </a:ext>
+            </a:extLst>
+          </p:cNvPr>
+          <p:cNvSpPr txBox="1"/>
+          <p:nvPr/>
+        </p:nvSpPr>
+        <p:spPr>
+          <a:xfrm>
+            <a:off x="4934250" y="2365696"/>
+            <a:ext cx="2457724" cy="630942"/>
+          </a:xfrm>
+          <a:prstGeom prst="rect">
+            <a:avLst/>
+          </a:prstGeom>
+          <a:noFill/>
+        </p:spPr>
+        <p:txBody>
+          <a:bodyPr wrap="none" rtlCol="0">
+            <a:spAutoFit/>
+          </a:bodyPr>
+          <a:lstStyle/>
+          <a:p>
+            <a:r>
+              <a:rPr lang="ko-KR" altLang="en-US" sz="3500" b="1" dirty="0">
+                <a:solidFill>
+                  <a:schemeClr val="bg1"/>
+                </a:solidFill>
+              </a:rPr>
+              <a:t>먼지</a:t>
+            </a:r>
+            <a:r>
+              <a:rPr lang="en-US" altLang="ko-KR" sz="3500" b="1" dirty="0">
+                <a:solidFill>
+                  <a:schemeClr val="bg1"/>
+                </a:solidFill>
+              </a:rPr>
+              <a:t>, </a:t>
+            </a:r>
+            <a:r>
+              <a:rPr lang="ko-KR" altLang="en-US" sz="3500" b="1" dirty="0">
+                <a:solidFill>
+                  <a:schemeClr val="bg1"/>
+                </a:solidFill>
+              </a:rPr>
+              <a:t>어때</a:t>
+            </a:r>
+            <a:r>
+              <a:rPr lang="en-US" altLang="ko-KR" sz="3500" b="1" dirty="0">
+                <a:solidFill>
+                  <a:schemeClr val="bg1"/>
+                </a:solidFill>
+              </a:rPr>
+              <a:t>?</a:t>
+            </a:r>
+            <a:endParaRPr lang="ko-KR" altLang="en-US" sz="3500" b="1" dirty="0">
+              <a:solidFill>
+                <a:schemeClr val="bg1"/>
+              </a:solidFill>
+            </a:endParaRPr>
+          </a:p>
+        </p:txBody>
+      </p:sp>
+      <p:sp>
+        <p:nvSpPr>
+          <p:cNvPr id="49" name="사각형: 둥근 모서리 48">
+            <a:extLst>
+              <a:ext uri="{FF2B5EF4-FFF2-40B4-BE49-F238E27FC236}">
+                <a16:creationId xmlns:a16="http://schemas.microsoft.com/office/drawing/2014/main" id="{D95B3588-D9FC-44E1-B838-4928CF0B7EDC}"/>
+              </a:ext>
+            </a:extLst>
+          </p:cNvPr>
+          <p:cNvSpPr/>
+          <p:nvPr/>
+        </p:nvSpPr>
+        <p:spPr>
+          <a:xfrm>
+            <a:off x="5194183" y="3235723"/>
+            <a:ext cx="1937857" cy="402672"/>
+          </a:xfrm>
+          <a:prstGeom prst="roundRect">
+            <a:avLst>
+              <a:gd name="adj" fmla="val 50000"/>
+            </a:avLst>
+          </a:prstGeom>
+          <a:solidFill>
+            <a:schemeClr val="tx1"/>
+          </a:solidFill>
+          <a:ln>
+            <a:solidFill>
+              <a:schemeClr val="bg1"/>
+            </a:solidFill>
+          </a:ln>
+        </p:spPr>
+        <p:style>
+          <a:lnRef idx="2">
+            <a:schemeClr val="accent1">
+              <a:shade val="50000"/>
+            </a:schemeClr>
+          </a:lnRef>
+          <a:fillRef idx="1">
+            <a:schemeClr val="accent1"/>
+          </a:fillRef>
+          <a:effectRef idx="0">
+            <a:schemeClr val="accent1"/>
+          </a:effectRef>
+          <a:fontRef idx="minor">
+            <a:schemeClr val="lt1"/>
+          </a:fontRef>
+        </p:style>
+        <p:txBody>
+          <a:bodyPr rtlCol="0" anchor="ctr"/>
+          <a:lstStyle/>
+          <a:p>
+            <a:pPr algn="ctr"/>
+            <a:r>
+              <a:rPr lang="en-US" altLang="ko-KR" sz="1200" dirty="0"/>
+              <a:t>tnsals9603@naver.com</a:t>
+            </a:r>
+            <a:endParaRPr lang="ko-KR" altLang="en-US" sz="1200" dirty="0"/>
+          </a:p>
+        </p:txBody>
+      </p:sp>
+      <p:sp>
+        <p:nvSpPr>
+          <p:cNvPr id="50" name="사각형: 둥근 모서리 49">
+            <a:extLst>
+              <a:ext uri="{FF2B5EF4-FFF2-40B4-BE49-F238E27FC236}">
+                <a16:creationId xmlns:a16="http://schemas.microsoft.com/office/drawing/2014/main" id="{1AD969B8-5676-4B63-9FAB-F77144C2FFE8}"/>
+              </a:ext>
+            </a:extLst>
+          </p:cNvPr>
+          <p:cNvSpPr/>
+          <p:nvPr/>
+        </p:nvSpPr>
+        <p:spPr>
+          <a:xfrm>
+            <a:off x="5194182" y="3763344"/>
+            <a:ext cx="1937857" cy="402672"/>
+          </a:xfrm>
+          <a:prstGeom prst="roundRect">
+            <a:avLst>
+              <a:gd name="adj" fmla="val 50000"/>
+            </a:avLst>
+          </a:prstGeom>
+          <a:solidFill>
+            <a:schemeClr val="tx1"/>
+          </a:solidFill>
+          <a:ln>
+            <a:solidFill>
+              <a:schemeClr val="bg1"/>
+            </a:solidFill>
+          </a:ln>
+        </p:spPr>
+        <p:style>
+          <a:lnRef idx="2">
+            <a:schemeClr val="accent1">
+              <a:shade val="50000"/>
+            </a:schemeClr>
+          </a:lnRef>
+          <a:fillRef idx="1">
+            <a:schemeClr val="accent1"/>
+          </a:fillRef>
+          <a:effectRef idx="0">
+            <a:schemeClr val="accent1"/>
+          </a:effectRef>
+          <a:fontRef idx="minor">
+            <a:schemeClr val="lt1"/>
+          </a:fontRef>
+        </p:style>
+        <p:txBody>
+          <a:bodyPr rtlCol="0" anchor="ctr"/>
+          <a:lstStyle/>
+          <a:p>
+            <a:pPr algn="ctr"/>
+            <a:r>
+              <a:rPr lang="ko-KR" altLang="en-US" sz="1200" dirty="0"/>
+              <a:t>● ● ● ● ● ● ●</a:t>
+            </a:r>
+          </a:p>
+        </p:txBody>
+      </p:sp>
+      <p:sp>
+        <p:nvSpPr>
+          <p:cNvPr id="52" name="사각형: 둥근 모서리 51">
+            <a:extLst>
+              <a:ext uri="{FF2B5EF4-FFF2-40B4-BE49-F238E27FC236}">
+                <a16:creationId xmlns:a16="http://schemas.microsoft.com/office/drawing/2014/main" id="{2D700BD4-7F98-468A-A434-6D97FB4EC603}"/>
+              </a:ext>
+            </a:extLst>
+          </p:cNvPr>
+          <p:cNvSpPr/>
+          <p:nvPr/>
+        </p:nvSpPr>
+        <p:spPr>
+          <a:xfrm>
+            <a:off x="5194182" y="4290965"/>
+            <a:ext cx="1937857" cy="402672"/>
+          </a:xfrm>
+          <a:prstGeom prst="roundRect">
+            <a:avLst>
+              <a:gd name="adj" fmla="val 50000"/>
+            </a:avLst>
+          </a:prstGeom>
+          <a:solidFill>
+            <a:schemeClr val="accent5">
+              <a:lumMod val="50000"/>
+            </a:schemeClr>
+          </a:solidFill>
+          <a:ln>
+            <a:solidFill>
+              <a:schemeClr val="bg1"/>
+            </a:solidFill>
+          </a:ln>
+        </p:spPr>
+        <p:style>
+          <a:lnRef idx="2">
+            <a:schemeClr val="accent1">
+              <a:shade val="50000"/>
+            </a:schemeClr>
+          </a:lnRef>
+          <a:fillRef idx="1">
+            <a:schemeClr val="accent1"/>
+          </a:fillRef>
+          <a:effectRef idx="0">
+            <a:schemeClr val="accent1"/>
+          </a:effectRef>
+          <a:fontRef idx="minor">
+            <a:schemeClr val="lt1"/>
+          </a:fontRef>
+        </p:style>
+        <p:txBody>
+          <a:bodyPr rtlCol="0" anchor="ctr"/>
+          <a:lstStyle/>
+          <a:p>
+            <a:pPr algn="ctr"/>
+            <a:r>
+              <a:rPr lang="ko-KR" altLang="en-US" sz="1200" dirty="0"/>
+              <a:t>로그인</a:t>
+            </a:r>
+          </a:p>
+        </p:txBody>
+      </p:sp>
+      <p:cxnSp>
+        <p:nvCxnSpPr>
+          <p:cNvPr id="53" name="직선 연결선 52">
+            <a:extLst>
+              <a:ext uri="{FF2B5EF4-FFF2-40B4-BE49-F238E27FC236}">
+                <a16:creationId xmlns:a16="http://schemas.microsoft.com/office/drawing/2014/main" id="{33AC7A82-F60A-4385-A42A-8B70850D659D}"/>
+              </a:ext>
+            </a:extLst>
+          </p:cNvPr>
+          <p:cNvCxnSpPr>
+            <a:cxnSpLocks/>
+          </p:cNvCxnSpPr>
+          <p:nvPr/>
+        </p:nvCxnSpPr>
+        <p:spPr>
+          <a:xfrm flipV="1">
+            <a:off x="4837904" y="4818586"/>
+            <a:ext cx="2650411" cy="1"/>
+          </a:xfrm>
+          <a:prstGeom prst="line">
+            <a:avLst/>
+          </a:prstGeom>
+          <a:ln w="9525">
+            <a:solidFill>
+              <a:schemeClr val="bg1"/>
+            </a:solidFill>
+          </a:ln>
+        </p:spPr>
+        <p:style>
+          <a:lnRef idx="1">
+            <a:schemeClr val="accent1"/>
+          </a:lnRef>
+          <a:fillRef idx="0">
+            <a:schemeClr val="accent1"/>
+          </a:fillRef>
+          <a:effectRef idx="0">
+            <a:schemeClr val="accent1"/>
+          </a:effectRef>
+          <a:fontRef idx="minor">
+            <a:schemeClr val="tx1"/>
+          </a:fontRef>
+        </p:style>
+      </p:cxnSp>
+      <p:sp>
+        <p:nvSpPr>
+          <p:cNvPr id="2" name="TextBox 1">
+            <a:extLst>
+              <a:ext uri="{FF2B5EF4-FFF2-40B4-BE49-F238E27FC236}">
+                <a16:creationId xmlns:a16="http://schemas.microsoft.com/office/drawing/2014/main" id="{92671E3E-D7E2-4B6B-A9C7-0FFD5B55417F}"/>
+              </a:ext>
+            </a:extLst>
+          </p:cNvPr>
+          <p:cNvSpPr txBox="1"/>
+          <p:nvPr/>
+        </p:nvSpPr>
+        <p:spPr>
+          <a:xfrm>
+            <a:off x="5446406" y="4943536"/>
+            <a:ext cx="1433406" cy="215444"/>
+          </a:xfrm>
+          <a:prstGeom prst="rect">
+            <a:avLst/>
+          </a:prstGeom>
+          <a:noFill/>
+        </p:spPr>
+        <p:txBody>
+          <a:bodyPr wrap="none" rtlCol="0">
+            <a:spAutoFit/>
+          </a:bodyPr>
+          <a:lstStyle/>
+          <a:p>
+            <a:r>
+              <a:rPr lang="ko-KR" altLang="en-US" sz="800" dirty="0">
+                <a:solidFill>
+                  <a:schemeClr val="bg1"/>
+                </a:solidFill>
+              </a:rPr>
+              <a:t>아이디가 없나요</a:t>
+            </a:r>
+            <a:r>
+              <a:rPr lang="en-US" altLang="ko-KR" sz="800" dirty="0">
+                <a:solidFill>
+                  <a:schemeClr val="bg1"/>
+                </a:solidFill>
+              </a:rPr>
+              <a:t>? </a:t>
+            </a:r>
+            <a:r>
+              <a:rPr lang="ko-KR" altLang="en-US" sz="800" dirty="0">
+                <a:solidFill>
+                  <a:schemeClr val="accent5">
+                    <a:lumMod val="75000"/>
+                  </a:schemeClr>
+                </a:solidFill>
+              </a:rPr>
+              <a:t>회원가입</a:t>
+            </a:r>
+          </a:p>
+        </p:txBody>
+      </p:sp>
+      <p:cxnSp>
+        <p:nvCxnSpPr>
+          <p:cNvPr id="26" name="직선 연결선 25">
+            <a:extLst>
+              <a:ext uri="{FF2B5EF4-FFF2-40B4-BE49-F238E27FC236}">
+                <a16:creationId xmlns:a16="http://schemas.microsoft.com/office/drawing/2014/main" id="{82DBB5A8-2E78-4377-86C2-4DEFAB518005}"/>
+              </a:ext>
+            </a:extLst>
+          </p:cNvPr>
+          <p:cNvCxnSpPr>
+            <a:cxnSpLocks/>
+          </p:cNvCxnSpPr>
+          <p:nvPr/>
+        </p:nvCxnSpPr>
+        <p:spPr>
+          <a:xfrm flipV="1">
+            <a:off x="4837904" y="5283929"/>
+            <a:ext cx="967278" cy="1"/>
+          </a:xfrm>
+          <a:prstGeom prst="line">
+            <a:avLst/>
+          </a:prstGeom>
+          <a:ln w="9525">
+            <a:solidFill>
+              <a:schemeClr val="bg1"/>
+            </a:solidFill>
+          </a:ln>
+        </p:spPr>
+        <p:style>
+          <a:lnRef idx="1">
+            <a:schemeClr val="accent1"/>
+          </a:lnRef>
+          <a:fillRef idx="0">
+            <a:schemeClr val="accent1"/>
+          </a:fillRef>
+          <a:effectRef idx="0">
+            <a:schemeClr val="accent1"/>
+          </a:effectRef>
+          <a:fontRef idx="minor">
+            <a:schemeClr val="tx1"/>
+          </a:fontRef>
+        </p:style>
+      </p:cxnSp>
+      <p:cxnSp>
+        <p:nvCxnSpPr>
+          <p:cNvPr id="27" name="직선 연결선 26">
+            <a:extLst>
+              <a:ext uri="{FF2B5EF4-FFF2-40B4-BE49-F238E27FC236}">
+                <a16:creationId xmlns:a16="http://schemas.microsoft.com/office/drawing/2014/main" id="{F295AE5C-0D0A-4FC4-9E07-BDFA1CC3D737}"/>
+              </a:ext>
+            </a:extLst>
+          </p:cNvPr>
+          <p:cNvCxnSpPr>
+            <a:cxnSpLocks/>
+          </p:cNvCxnSpPr>
+          <p:nvPr/>
+        </p:nvCxnSpPr>
+        <p:spPr>
+          <a:xfrm flipV="1">
+            <a:off x="6521037" y="5283929"/>
+            <a:ext cx="967278" cy="1"/>
+          </a:xfrm>
+          <a:prstGeom prst="line">
+            <a:avLst/>
+          </a:prstGeom>
+          <a:ln w="9525">
+            <a:solidFill>
+              <a:schemeClr val="bg1"/>
+            </a:solidFill>
+          </a:ln>
+        </p:spPr>
+        <p:style>
+          <a:lnRef idx="1">
+            <a:schemeClr val="accent1"/>
+          </a:lnRef>
+          <a:fillRef idx="0">
+            <a:schemeClr val="accent1"/>
+          </a:fillRef>
+          <a:effectRef idx="0">
+            <a:schemeClr val="accent1"/>
+          </a:effectRef>
+          <a:fontRef idx="minor">
+            <a:schemeClr val="tx1"/>
+          </a:fontRef>
+        </p:style>
+      </p:cxnSp>
+      <p:sp>
+        <p:nvSpPr>
+          <p:cNvPr id="28" name="TextBox 27">
+            <a:extLst>
+              <a:ext uri="{FF2B5EF4-FFF2-40B4-BE49-F238E27FC236}">
+                <a16:creationId xmlns:a16="http://schemas.microsoft.com/office/drawing/2014/main" id="{BD9F2D20-6532-4328-A565-38E51BCFC1E3}"/>
+              </a:ext>
+            </a:extLst>
+          </p:cNvPr>
+          <p:cNvSpPr txBox="1"/>
+          <p:nvPr/>
+        </p:nvSpPr>
+        <p:spPr>
+          <a:xfrm>
+            <a:off x="5814296" y="5185929"/>
+            <a:ext cx="697627" cy="215444"/>
+          </a:xfrm>
+          <a:prstGeom prst="rect">
+            <a:avLst/>
+          </a:prstGeom>
+          <a:noFill/>
+        </p:spPr>
+        <p:txBody>
+          <a:bodyPr wrap="none" rtlCol="0">
+            <a:spAutoFit/>
+          </a:bodyPr>
+          <a:lstStyle/>
+          <a:p>
+            <a:r>
+              <a:rPr lang="ko-KR" altLang="en-US" sz="800" b="1" dirty="0">
+                <a:solidFill>
+                  <a:schemeClr val="bg1"/>
+                </a:solidFill>
+              </a:rPr>
+              <a:t>소셜로그인</a:t>
+            </a:r>
+            <a:endParaRPr lang="ko-KR" altLang="en-US" sz="800" b="1" dirty="0">
+              <a:solidFill>
+                <a:schemeClr val="accent5">
+                  <a:lumMod val="75000"/>
+                </a:schemeClr>
+              </a:solidFill>
+            </a:endParaRPr>
+          </a:p>
+        </p:txBody>
+      </p:sp>
+      <p:pic>
+        <p:nvPicPr>
+          <p:cNvPr id="29" name="그림 28">
+            <a:extLst>
+              <a:ext uri="{FF2B5EF4-FFF2-40B4-BE49-F238E27FC236}">
+                <a16:creationId xmlns:a16="http://schemas.microsoft.com/office/drawing/2014/main" id="{66F5BDCB-08CE-4157-9736-5F5D6EC50DDC}"/>
+              </a:ext>
+            </a:extLst>
+          </p:cNvPr>
+          <p:cNvPicPr>
+            <a:picLocks noChangeAspect="1"/>
+          </p:cNvPicPr>
+          <p:nvPr/>
+        </p:nvPicPr>
+        <p:blipFill>
+          <a:blip r:embed="rId3">
+            <a:extLst>
+              <a:ext uri="{28A0092B-C50C-407E-A947-70E740481C1C}">
+                <a14:useLocalDpi xmlns:a14="http://schemas.microsoft.com/office/drawing/2010/main" val="0"/>
+              </a:ext>
+            </a:extLst>
+          </a:blip>
+          <a:stretch>
+            <a:fillRect/>
+          </a:stretch>
+        </p:blipFill>
+        <p:spPr>
+          <a:xfrm>
+            <a:off x="5444140" y="5391813"/>
+            <a:ext cx="360000" cy="360000"/>
+          </a:xfrm>
+          <a:prstGeom prst="rect">
+            <a:avLst/>
+          </a:prstGeom>
+        </p:spPr>
+      </p:pic>
+      <p:pic>
+        <p:nvPicPr>
+          <p:cNvPr id="30" name="그림 29" descr="텍스트, 클립아트, 표지판, 벡터그래픽이(가) 표시된 사진&#10;&#10;자동 생성된 설명">
+            <a:extLst>
+              <a:ext uri="{FF2B5EF4-FFF2-40B4-BE49-F238E27FC236}">
+                <a16:creationId xmlns:a16="http://schemas.microsoft.com/office/drawing/2014/main" id="{5B32967B-061F-4D13-BF86-5FF2D32CEA84}"/>
+              </a:ext>
+            </a:extLst>
+          </p:cNvPr>
+          <p:cNvPicPr>
+            <a:picLocks noChangeAspect="1"/>
+          </p:cNvPicPr>
+          <p:nvPr/>
+        </p:nvPicPr>
+        <p:blipFill>
+          <a:blip r:embed="rId4">
+            <a:extLst>
+              <a:ext uri="{28A0092B-C50C-407E-A947-70E740481C1C}">
+                <a14:useLocalDpi xmlns:a14="http://schemas.microsoft.com/office/drawing/2010/main" val="0"/>
+              </a:ext>
+            </a:extLst>
+          </a:blip>
+          <a:stretch>
+            <a:fillRect/>
+          </a:stretch>
+        </p:blipFill>
+        <p:spPr>
+          <a:xfrm>
+            <a:off x="6498664" y="5396737"/>
+            <a:ext cx="360000" cy="360000"/>
+          </a:xfrm>
+          <a:prstGeom prst="rect">
+            <a:avLst/>
+          </a:prstGeom>
+        </p:spPr>
+      </p:pic>
+      <p:pic>
+        <p:nvPicPr>
+          <p:cNvPr id="31" name="그림 30">
+            <a:extLst>
+              <a:ext uri="{FF2B5EF4-FFF2-40B4-BE49-F238E27FC236}">
+                <a16:creationId xmlns:a16="http://schemas.microsoft.com/office/drawing/2014/main" id="{03CEF7BE-DE55-4B52-8AD0-94B5A86615A1}"/>
+              </a:ext>
+            </a:extLst>
+          </p:cNvPr>
+          <p:cNvPicPr>
+            <a:picLocks noChangeAspect="1"/>
+          </p:cNvPicPr>
+          <p:nvPr/>
+        </p:nvPicPr>
+        <p:blipFill>
+          <a:blip r:embed="rId5">
+            <a:extLst>
+              <a:ext uri="{28A0092B-C50C-407E-A947-70E740481C1C}">
+                <a14:useLocalDpi xmlns:a14="http://schemas.microsoft.com/office/drawing/2010/main" val="0"/>
+              </a:ext>
+            </a:extLst>
+          </a:blip>
+          <a:stretch>
+            <a:fillRect/>
+          </a:stretch>
+        </p:blipFill>
+        <p:spPr>
+          <a:xfrm>
+            <a:off x="5976480" y="5391813"/>
+            <a:ext cx="360000" cy="360000"/>
+          </a:xfrm>
+          <a:prstGeom prst="rect">
+            <a:avLst/>
+          </a:prstGeom>
+        </p:spPr>
+      </p:pic>
+    </p:spTree>
+    <p:extLst>
+      <p:ext uri="{BB962C8B-B14F-4D97-AF65-F5344CB8AC3E}">
+        <p14:creationId xmlns:p14="http://schemas.microsoft.com/office/powerpoint/2010/main" val="2673466800"/>
+      </p:ext>
+    </p:extLst>
+  </p:cSld>
+  <p:clrMapOvr>
+    <a:masterClrMapping/>
+  </p:clrMapOvr>
+</p:sld>
+</file>
+
+<file path=ppt/slides/slide3.xml><?xml version="1.0" encoding="utf-8"?>
+<p:sld xmlns:a="http://schemas.openxmlformats.org/drawingml/2006/main" xmlns:r="http://schemas.openxmlformats.org/officeDocument/2006/relationships" xmlns:p="http://schemas.openxmlformats.org/presentationml/2006/main">
+  <p:cSld>
+    <p:spTree>
+      <p:nvGrpSpPr>
+        <p:cNvPr id="1" name=""/>
+        <p:cNvGrpSpPr/>
+        <p:nvPr/>
+      </p:nvGrpSpPr>
+      <p:grpSpPr>
+        <a:xfrm>
+          <a:off x="0" y="0"/>
+          <a:ext cx="0" cy="0"/>
+          <a:chOff x="0" y="0"/>
+          <a:chExt cx="0" cy="0"/>
+        </a:xfrm>
+      </p:grpSpPr>
+      <p:sp>
+        <p:nvSpPr>
+          <p:cNvPr id="43" name="직사각형 42">
+            <a:extLst>
+              <a:ext uri="{FF2B5EF4-FFF2-40B4-BE49-F238E27FC236}">
+                <a16:creationId xmlns:a16="http://schemas.microsoft.com/office/drawing/2014/main" id="{9A94DD28-F51F-4AA2-B8AF-73F513D68130}"/>
+              </a:ext>
+            </a:extLst>
+          </p:cNvPr>
+          <p:cNvSpPr/>
+          <p:nvPr/>
+        </p:nvSpPr>
+        <p:spPr>
+          <a:xfrm>
+            <a:off x="4653094" y="1111541"/>
+            <a:ext cx="3020036" cy="4798502"/>
+          </a:xfrm>
+          <a:prstGeom prst="rect">
+            <a:avLst/>
+          </a:prstGeom>
+          <a:solidFill>
+            <a:schemeClr val="tx1"/>
+          </a:solidFill>
+          <a:ln>
+            <a:noFill/>
+          </a:ln>
+        </p:spPr>
+        <p:style>
+          <a:lnRef idx="2">
+            <a:schemeClr val="accent1">
+              <a:shade val="50000"/>
+            </a:schemeClr>
+          </a:lnRef>
+          <a:fillRef idx="1">
+            <a:schemeClr val="accent1"/>
+          </a:fillRef>
+          <a:effectRef idx="0">
+            <a:schemeClr val="accent1"/>
+          </a:effectRef>
+          <a:fontRef idx="minor">
+            <a:schemeClr val="lt1"/>
+          </a:fontRef>
+        </p:style>
+        <p:txBody>
+          <a:bodyPr rtlCol="0" anchor="ctr"/>
+          <a:lstStyle/>
+          <a:p>
+            <a:pPr algn="ctr"/>
+            <a:endParaRPr lang="ko-KR" altLang="en-US" dirty="0"/>
+          </a:p>
+        </p:txBody>
+      </p:sp>
+      <p:pic>
+        <p:nvPicPr>
+          <p:cNvPr id="46" name="그림 45" descr="위성이(가) 표시된 사진&#10;&#10;자동 생성된 설명">
+            <a:extLst>
+              <a:ext uri="{FF2B5EF4-FFF2-40B4-BE49-F238E27FC236}">
+                <a16:creationId xmlns:a16="http://schemas.microsoft.com/office/drawing/2014/main" id="{B4F054A1-9FF8-42AE-B895-8D50EEDCACEB}"/>
+              </a:ext>
+            </a:extLst>
+          </p:cNvPr>
+          <p:cNvPicPr>
+            <a:picLocks noChangeAspect="1"/>
+          </p:cNvPicPr>
+          <p:nvPr/>
+        </p:nvPicPr>
+        <p:blipFill>
+          <a:blip r:embed="rId2">
+            <a:extLst>
+              <a:ext uri="{28A0092B-C50C-407E-A947-70E740481C1C}">
+                <a14:useLocalDpi xmlns:a14="http://schemas.microsoft.com/office/drawing/2010/main" val="0"/>
+              </a:ext>
+            </a:extLst>
+          </a:blip>
+          <a:stretch>
+            <a:fillRect/>
+          </a:stretch>
+        </p:blipFill>
+        <p:spPr>
+          <a:xfrm>
+            <a:off x="4720080" y="1111542"/>
+            <a:ext cx="1254154" cy="1254154"/>
+          </a:xfrm>
+          <a:prstGeom prst="rect">
+            <a:avLst/>
+          </a:prstGeom>
+        </p:spPr>
+      </p:pic>
+      <p:sp>
+        <p:nvSpPr>
+          <p:cNvPr id="47" name="TextBox 46">
+            <a:extLst>
+              <a:ext uri="{FF2B5EF4-FFF2-40B4-BE49-F238E27FC236}">
+                <a16:creationId xmlns:a16="http://schemas.microsoft.com/office/drawing/2014/main" id="{9F25D6E6-71A1-4B9A-98B4-7E212513DAC4}"/>
+              </a:ext>
+            </a:extLst>
+          </p:cNvPr>
+          <p:cNvSpPr txBox="1"/>
+          <p:nvPr/>
+        </p:nvSpPr>
+        <p:spPr>
+          <a:xfrm>
+            <a:off x="4934250" y="2365696"/>
+            <a:ext cx="2457724" cy="630942"/>
+          </a:xfrm>
+          <a:prstGeom prst="rect">
+            <a:avLst/>
+          </a:prstGeom>
+          <a:noFill/>
+        </p:spPr>
+        <p:txBody>
+          <a:bodyPr wrap="none" rtlCol="0">
+            <a:spAutoFit/>
+          </a:bodyPr>
+          <a:lstStyle/>
+          <a:p>
+            <a:r>
+              <a:rPr lang="ko-KR" altLang="en-US" sz="3500" b="1" dirty="0">
+                <a:solidFill>
+                  <a:schemeClr val="bg1"/>
+                </a:solidFill>
+              </a:rPr>
+              <a:t>먼지</a:t>
+            </a:r>
+            <a:r>
+              <a:rPr lang="en-US" altLang="ko-KR" sz="3500" b="1" dirty="0">
+                <a:solidFill>
+                  <a:schemeClr val="bg1"/>
+                </a:solidFill>
+              </a:rPr>
+              <a:t>, </a:t>
+            </a:r>
+            <a:r>
+              <a:rPr lang="ko-KR" altLang="en-US" sz="3500" b="1" dirty="0">
+                <a:solidFill>
+                  <a:schemeClr val="bg1"/>
+                </a:solidFill>
+              </a:rPr>
+              <a:t>어때</a:t>
+            </a:r>
+            <a:r>
+              <a:rPr lang="en-US" altLang="ko-KR" sz="3500" b="1" dirty="0">
+                <a:solidFill>
+                  <a:schemeClr val="bg1"/>
+                </a:solidFill>
+              </a:rPr>
+              <a:t>?</a:t>
+            </a:r>
+            <a:endParaRPr lang="ko-KR" altLang="en-US" sz="3500" b="1" dirty="0">
+              <a:solidFill>
+                <a:schemeClr val="bg1"/>
+              </a:solidFill>
+            </a:endParaRPr>
+          </a:p>
+        </p:txBody>
+      </p:sp>
+      <p:sp>
+        <p:nvSpPr>
+          <p:cNvPr id="49" name="사각형: 둥근 모서리 48">
+            <a:extLst>
+              <a:ext uri="{FF2B5EF4-FFF2-40B4-BE49-F238E27FC236}">
+                <a16:creationId xmlns:a16="http://schemas.microsoft.com/office/drawing/2014/main" id="{D95B3588-D9FC-44E1-B838-4928CF0B7EDC}"/>
+              </a:ext>
+            </a:extLst>
+          </p:cNvPr>
+          <p:cNvSpPr/>
+          <p:nvPr/>
+        </p:nvSpPr>
+        <p:spPr>
+          <a:xfrm>
+            <a:off x="5194183" y="3235723"/>
+            <a:ext cx="1937857" cy="402672"/>
+          </a:xfrm>
+          <a:prstGeom prst="roundRect">
+            <a:avLst>
+              <a:gd name="adj" fmla="val 50000"/>
+            </a:avLst>
+          </a:prstGeom>
+          <a:solidFill>
+            <a:schemeClr val="tx1"/>
+          </a:solidFill>
+          <a:ln>
+            <a:solidFill>
+              <a:schemeClr val="bg1"/>
+            </a:solidFill>
+          </a:ln>
+        </p:spPr>
+        <p:style>
+          <a:lnRef idx="2">
+            <a:schemeClr val="accent1">
+              <a:shade val="50000"/>
+            </a:schemeClr>
+          </a:lnRef>
+          <a:fillRef idx="1">
+            <a:schemeClr val="accent1"/>
+          </a:fillRef>
+          <a:effectRef idx="0">
+            <a:schemeClr val="accent1"/>
+          </a:effectRef>
+          <a:fontRef idx="minor">
+            <a:schemeClr val="lt1"/>
+          </a:fontRef>
+        </p:style>
+        <p:txBody>
+          <a:bodyPr rtlCol="0" anchor="ctr"/>
+          <a:lstStyle/>
+          <a:p>
+            <a:pPr algn="ctr"/>
+            <a:r>
+              <a:rPr lang="en-US" altLang="ko-KR" sz="1200" dirty="0"/>
+              <a:t>tnsals9603@naver.com</a:t>
+            </a:r>
+            <a:endParaRPr lang="ko-KR" altLang="en-US" sz="1200" dirty="0"/>
+          </a:p>
+        </p:txBody>
+      </p:sp>
+      <p:sp>
+        <p:nvSpPr>
+          <p:cNvPr id="50" name="사각형: 둥근 모서리 49">
+            <a:extLst>
+              <a:ext uri="{FF2B5EF4-FFF2-40B4-BE49-F238E27FC236}">
+                <a16:creationId xmlns:a16="http://schemas.microsoft.com/office/drawing/2014/main" id="{1AD969B8-5676-4B63-9FAB-F77144C2FFE8}"/>
+              </a:ext>
+            </a:extLst>
+          </p:cNvPr>
+          <p:cNvSpPr/>
+          <p:nvPr/>
+        </p:nvSpPr>
+        <p:spPr>
+          <a:xfrm>
+            <a:off x="5194182" y="3763344"/>
+            <a:ext cx="1937857" cy="402672"/>
+          </a:xfrm>
+          <a:prstGeom prst="roundRect">
+            <a:avLst>
+              <a:gd name="adj" fmla="val 50000"/>
+            </a:avLst>
+          </a:prstGeom>
+          <a:solidFill>
+            <a:schemeClr val="tx1"/>
+          </a:solidFill>
+          <a:ln>
+            <a:solidFill>
+              <a:schemeClr val="bg1"/>
+            </a:solidFill>
+          </a:ln>
+        </p:spPr>
+        <p:style>
+          <a:lnRef idx="2">
+            <a:schemeClr val="accent1">
+              <a:shade val="50000"/>
+            </a:schemeClr>
+          </a:lnRef>
+          <a:fillRef idx="1">
+            <a:schemeClr val="accent1"/>
+          </a:fillRef>
+          <a:effectRef idx="0">
+            <a:schemeClr val="accent1"/>
+          </a:effectRef>
+          <a:fontRef idx="minor">
+            <a:schemeClr val="lt1"/>
+          </a:fontRef>
+        </p:style>
+        <p:txBody>
+          <a:bodyPr rtlCol="0" anchor="ctr"/>
+          <a:lstStyle/>
+          <a:p>
+            <a:pPr algn="ctr"/>
+            <a:r>
+              <a:rPr lang="ko-KR" altLang="en-US" sz="1200" dirty="0"/>
+              <a:t>● ● ● ● ● ● ●</a:t>
+            </a:r>
+          </a:p>
+        </p:txBody>
+      </p:sp>
+      <p:sp>
+        <p:nvSpPr>
+          <p:cNvPr id="52" name="사각형: 둥근 모서리 51">
+            <a:extLst>
+              <a:ext uri="{FF2B5EF4-FFF2-40B4-BE49-F238E27FC236}">
+                <a16:creationId xmlns:a16="http://schemas.microsoft.com/office/drawing/2014/main" id="{2D700BD4-7F98-468A-A434-6D97FB4EC603}"/>
+              </a:ext>
+            </a:extLst>
+          </p:cNvPr>
+          <p:cNvSpPr/>
+          <p:nvPr/>
+        </p:nvSpPr>
+        <p:spPr>
+          <a:xfrm>
+            <a:off x="5194182" y="4290965"/>
+            <a:ext cx="1937857" cy="402672"/>
+          </a:xfrm>
+          <a:prstGeom prst="roundRect">
+            <a:avLst>
+              <a:gd name="adj" fmla="val 50000"/>
+            </a:avLst>
+          </a:prstGeom>
+          <a:solidFill>
+            <a:schemeClr val="accent5">
+              <a:lumMod val="50000"/>
+            </a:schemeClr>
+          </a:solidFill>
+          <a:ln>
+            <a:solidFill>
+              <a:schemeClr val="bg1"/>
+            </a:solidFill>
+          </a:ln>
+        </p:spPr>
+        <p:style>
+          <a:lnRef idx="2">
+            <a:schemeClr val="accent1">
+              <a:shade val="50000"/>
+            </a:schemeClr>
+          </a:lnRef>
+          <a:fillRef idx="1">
+            <a:schemeClr val="accent1"/>
+          </a:fillRef>
+          <a:effectRef idx="0">
+            <a:schemeClr val="accent1"/>
+          </a:effectRef>
+          <a:fontRef idx="minor">
+            <a:schemeClr val="lt1"/>
+          </a:fontRef>
+        </p:style>
+        <p:txBody>
+          <a:bodyPr rtlCol="0" anchor="ctr"/>
+          <a:lstStyle/>
+          <a:p>
+            <a:pPr algn="ctr"/>
+            <a:r>
+              <a:rPr lang="ko-KR" altLang="en-US" sz="1200" dirty="0"/>
+              <a:t>회원가입완료</a:t>
+            </a:r>
+          </a:p>
+        </p:txBody>
+      </p:sp>
+      <p:cxnSp>
+        <p:nvCxnSpPr>
+          <p:cNvPr id="53" name="직선 연결선 52">
+            <a:extLst>
+              <a:ext uri="{FF2B5EF4-FFF2-40B4-BE49-F238E27FC236}">
+                <a16:creationId xmlns:a16="http://schemas.microsoft.com/office/drawing/2014/main" id="{33AC7A82-F60A-4385-A42A-8B70850D659D}"/>
+              </a:ext>
+            </a:extLst>
+          </p:cNvPr>
+          <p:cNvCxnSpPr>
+            <a:cxnSpLocks/>
+          </p:cNvCxnSpPr>
+          <p:nvPr/>
+        </p:nvCxnSpPr>
+        <p:spPr>
+          <a:xfrm flipV="1">
+            <a:off x="4837904" y="4818586"/>
+            <a:ext cx="2650411" cy="1"/>
+          </a:xfrm>
+          <a:prstGeom prst="line">
+            <a:avLst/>
+          </a:prstGeom>
+          <a:ln w="9525">
+            <a:solidFill>
+              <a:schemeClr val="bg1"/>
+            </a:solidFill>
+          </a:ln>
+        </p:spPr>
+        <p:style>
+          <a:lnRef idx="1">
+            <a:schemeClr val="accent1"/>
+          </a:lnRef>
+          <a:fillRef idx="0">
+            <a:schemeClr val="accent1"/>
+          </a:fillRef>
+          <a:effectRef idx="0">
+            <a:schemeClr val="accent1"/>
+          </a:effectRef>
+          <a:fontRef idx="minor">
+            <a:schemeClr val="tx1"/>
+          </a:fontRef>
+        </p:style>
+      </p:cxnSp>
+      <p:sp>
+        <p:nvSpPr>
+          <p:cNvPr id="10" name="TextBox 9">
+            <a:extLst>
+              <a:ext uri="{FF2B5EF4-FFF2-40B4-BE49-F238E27FC236}">
+                <a16:creationId xmlns:a16="http://schemas.microsoft.com/office/drawing/2014/main" id="{2AC21FAE-7158-445B-9938-ED80F73D0A48}"/>
+              </a:ext>
+            </a:extLst>
+          </p:cNvPr>
+          <p:cNvSpPr txBox="1"/>
+          <p:nvPr/>
+        </p:nvSpPr>
+        <p:spPr>
+          <a:xfrm>
+            <a:off x="5347157" y="4943536"/>
+            <a:ext cx="1572866" cy="215444"/>
+          </a:xfrm>
+          <a:prstGeom prst="rect">
+            <a:avLst/>
+          </a:prstGeom>
+          <a:noFill/>
+        </p:spPr>
+        <p:txBody>
+          <a:bodyPr wrap="none" rtlCol="0">
+            <a:spAutoFit/>
+          </a:bodyPr>
+          <a:lstStyle/>
+          <a:p>
+            <a:r>
+              <a:rPr lang="ko-KR" altLang="en-US" sz="800" dirty="0">
+                <a:solidFill>
+                  <a:schemeClr val="bg1"/>
+                </a:solidFill>
+              </a:rPr>
+              <a:t>이미 아이디가 있나요</a:t>
+            </a:r>
+            <a:r>
+              <a:rPr lang="en-US" altLang="ko-KR" sz="800" dirty="0">
+                <a:solidFill>
+                  <a:schemeClr val="bg1"/>
+                </a:solidFill>
+              </a:rPr>
+              <a:t>? </a:t>
+            </a:r>
+            <a:r>
+              <a:rPr lang="ko-KR" altLang="en-US" sz="800" dirty="0">
+                <a:solidFill>
+                  <a:schemeClr val="accent5">
+                    <a:lumMod val="75000"/>
+                  </a:schemeClr>
+                </a:solidFill>
+              </a:rPr>
+              <a:t>로그인</a:t>
+            </a:r>
+          </a:p>
+        </p:txBody>
+      </p:sp>
+    </p:spTree>
+    <p:extLst>
+      <p:ext uri="{BB962C8B-B14F-4D97-AF65-F5344CB8AC3E}">
+        <p14:creationId xmlns:p14="http://schemas.microsoft.com/office/powerpoint/2010/main" val="958518036"/>
+      </p:ext>
+    </p:extLst>
+  </p:cSld>
+  <p:clrMapOvr>
+    <a:masterClrMapping/>
+  </p:clrMapOvr>
+</p:sld>
+</file>
+
+<file path=ppt/slides/slide4.xml><?xml version="1.0" encoding="utf-8"?>
+<p:sld xmlns:a="http://schemas.openxmlformats.org/drawingml/2006/main" xmlns:r="http://schemas.openxmlformats.org/officeDocument/2006/relationships" xmlns:p="http://schemas.openxmlformats.org/presentationml/2006/main">
+  <p:cSld>
+    <p:spTree>
+      <p:nvGrpSpPr>
+        <p:cNvPr id="1" name=""/>
+        <p:cNvGrpSpPr/>
+        <p:nvPr/>
+      </p:nvGrpSpPr>
+      <p:grpSpPr>
+        <a:xfrm>
+          <a:off x="0" y="0"/>
+          <a:ext cx="0" cy="0"/>
+          <a:chOff x="0" y="0"/>
+          <a:chExt cx="0" cy="0"/>
+        </a:xfrm>
+      </p:grpSpPr>
+      <p:sp>
+        <p:nvSpPr>
+          <p:cNvPr id="4" name="직사각형 3">
+            <a:extLst>
+              <a:ext uri="{FF2B5EF4-FFF2-40B4-BE49-F238E27FC236}">
+                <a16:creationId xmlns:a16="http://schemas.microsoft.com/office/drawing/2014/main" id="{7E4B1481-5F5C-4D14-908D-3232480DA851}"/>
+              </a:ext>
+            </a:extLst>
+          </p:cNvPr>
+          <p:cNvSpPr/>
+          <p:nvPr/>
+        </p:nvSpPr>
+        <p:spPr>
+          <a:xfrm>
+            <a:off x="4653094" y="1111541"/>
+            <a:ext cx="3020036" cy="4798502"/>
+          </a:xfrm>
+          <a:prstGeom prst="rect">
+            <a:avLst/>
+          </a:prstGeom>
+          <a:solidFill>
+            <a:schemeClr val="tx1"/>
+          </a:solidFill>
+          <a:ln>
+            <a:noFill/>
+          </a:ln>
+        </p:spPr>
+        <p:style>
+          <a:lnRef idx="2">
+            <a:schemeClr val="accent1">
+              <a:shade val="50000"/>
+            </a:schemeClr>
+          </a:lnRef>
+          <a:fillRef idx="1">
+            <a:schemeClr val="accent1"/>
+          </a:fillRef>
+          <a:effectRef idx="0">
+            <a:schemeClr val="accent1"/>
+          </a:effectRef>
+          <a:fontRef idx="minor">
+            <a:schemeClr val="lt1"/>
+          </a:fontRef>
+        </p:style>
+        <p:txBody>
+          <a:bodyPr rtlCol="0" anchor="ctr"/>
+          <a:lstStyle/>
+          <a:p>
+            <a:pPr algn="ctr"/>
             <a:endParaRPr lang="ko-KR" altLang="en-US"/>
           </a:p>
         </p:txBody>
       </p:sp>
       <p:sp>
         <p:nvSpPr>
+          <p:cNvPr id="6" name="타원 5">
+            <a:extLst>
+              <a:ext uri="{FF2B5EF4-FFF2-40B4-BE49-F238E27FC236}">
+                <a16:creationId xmlns:a16="http://schemas.microsoft.com/office/drawing/2014/main" id="{4AB1EF67-442D-4C92-B787-9CB160825255}"/>
+              </a:ext>
+            </a:extLst>
+          </p:cNvPr>
+          <p:cNvSpPr/>
+          <p:nvPr/>
+        </p:nvSpPr>
+        <p:spPr>
+          <a:xfrm>
+            <a:off x="7273255" y="1270478"/>
+            <a:ext cx="293613" cy="293613"/>
+          </a:xfrm>
+          <a:prstGeom prst="ellipse">
+            <a:avLst/>
+          </a:prstGeom>
+          <a:noFill/>
+          <a:ln w="28575">
+            <a:solidFill>
+              <a:schemeClr val="bg1"/>
+            </a:solidFill>
+          </a:ln>
+        </p:spPr>
+        <p:style>
+          <a:lnRef idx="2">
+            <a:schemeClr val="accent1">
+              <a:shade val="50000"/>
+            </a:schemeClr>
+          </a:lnRef>
+          <a:fillRef idx="1">
+            <a:schemeClr val="accent1"/>
+          </a:fillRef>
+          <a:effectRef idx="0">
+            <a:schemeClr val="accent1"/>
+          </a:effectRef>
+          <a:fontRef idx="minor">
+            <a:schemeClr val="lt1"/>
+          </a:fontRef>
+        </p:style>
+        <p:txBody>
+          <a:bodyPr rtlCol="0" anchor="ctr"/>
+          <a:lstStyle/>
+          <a:p>
+            <a:pPr algn="ctr"/>
+            <a:endParaRPr lang="ko-KR" altLang="en-US"/>
+          </a:p>
+        </p:txBody>
+      </p:sp>
+      <p:sp>
+        <p:nvSpPr>
           <p:cNvPr id="7" name="더하기 기호 6">
             <a:extLst>
               <a:ext uri="{FF2B5EF4-FFF2-40B4-BE49-F238E27FC236}">
@@ -3444,7 +4928,7 @@
         </p:nvSpPr>
         <p:spPr>
           <a:xfrm>
-            <a:off x="7102679" y="830055"/>
+            <a:off x="7169791" y="1165614"/>
             <a:ext cx="503339" cy="503339"/>
           </a:xfrm>
           <a:prstGeom prst="mathPlus">
@@ -3500,7 +4984,7 @@
         </p:nvSpPr>
         <p:spPr>
           <a:xfrm>
-            <a:off x="4675226" y="1963023"/>
+            <a:off x="4742338" y="2298582"/>
             <a:ext cx="760144" cy="369332"/>
           </a:xfrm>
           <a:prstGeom prst="rect">
@@ -3539,7 +5023,7 @@
         </p:nvSpPr>
         <p:spPr>
           <a:xfrm>
-            <a:off x="4675226" y="2202218"/>
+            <a:off x="4742338" y="2537777"/>
             <a:ext cx="2013693" cy="246221"/>
           </a:xfrm>
           <a:prstGeom prst="rect">
@@ -3578,7 +5062,7 @@
         </p:nvSpPr>
         <p:spPr>
           <a:xfrm>
-            <a:off x="4675226" y="3429000"/>
+            <a:off x="4742338" y="3764559"/>
             <a:ext cx="1107996" cy="553998"/>
           </a:xfrm>
           <a:prstGeom prst="rect">
@@ -3625,7 +5109,7 @@
         </p:nvSpPr>
         <p:spPr>
           <a:xfrm>
-            <a:off x="4898229" y="4169544"/>
+            <a:off x="4965341" y="4505103"/>
             <a:ext cx="151462" cy="151462"/>
           </a:xfrm>
           <a:prstGeom prst="ellipse">
@@ -3677,7 +5161,7 @@
         </p:nvGrpSpPr>
         <p:grpSpPr>
           <a:xfrm>
-            <a:off x="4712786" y="961260"/>
+            <a:off x="4779898" y="1296819"/>
             <a:ext cx="341771" cy="336580"/>
             <a:chOff x="4712786" y="961260"/>
             <a:chExt cx="341771" cy="336580"/>
@@ -3756,10 +5240,7 @@
               <a:avLst/>
             </a:prstGeom>
             <a:solidFill>
-              <a:schemeClr val="accent2">
-                <a:lumMod val="60000"/>
-                <a:lumOff val="40000"/>
-              </a:schemeClr>
+              <a:schemeClr val="tx1"/>
             </a:solidFill>
             <a:ln>
               <a:noFill/>
@@ -3807,7 +5288,7 @@
         </p:nvCxnSpPr>
         <p:spPr>
           <a:xfrm>
-            <a:off x="4969425" y="4037387"/>
+            <a:off x="5036537" y="4372946"/>
             <a:ext cx="1" cy="92372"/>
           </a:xfrm>
           <a:prstGeom prst="line">
@@ -3850,7 +5331,7 @@
         </p:nvCxnSpPr>
         <p:spPr>
           <a:xfrm>
-            <a:off x="4961038" y="4353793"/>
+            <a:off x="5028150" y="4689352"/>
             <a:ext cx="1" cy="92372"/>
           </a:xfrm>
           <a:prstGeom prst="line">
@@ -3893,7 +5374,7 @@
         </p:nvCxnSpPr>
         <p:spPr>
           <a:xfrm flipV="1">
-            <a:off x="5094334" y="4243781"/>
+            <a:off x="5161446" y="4579340"/>
             <a:ext cx="86944" cy="1"/>
           </a:xfrm>
           <a:prstGeom prst="line">
@@ -3936,7 +5417,7 @@
         </p:nvCxnSpPr>
         <p:spPr>
           <a:xfrm flipV="1">
-            <a:off x="4753529" y="4243781"/>
+            <a:off x="4820641" y="4579340"/>
             <a:ext cx="86944" cy="1"/>
           </a:xfrm>
           <a:prstGeom prst="line">
@@ -3979,7 +5460,7 @@
         </p:nvCxnSpPr>
         <p:spPr>
           <a:xfrm rot="2700000">
-            <a:off x="4840471" y="4326142"/>
+            <a:off x="4907583" y="4661701"/>
             <a:ext cx="1" cy="92372"/>
           </a:xfrm>
           <a:prstGeom prst="line">
@@ -4022,7 +5503,7 @@
         </p:nvCxnSpPr>
         <p:spPr>
           <a:xfrm rot="2700000">
-            <a:off x="5085003" y="4076535"/>
+            <a:off x="5152115" y="4412094"/>
             <a:ext cx="1" cy="92372"/>
           </a:xfrm>
           <a:prstGeom prst="line">
@@ -4065,7 +5546,7 @@
         </p:nvCxnSpPr>
         <p:spPr>
           <a:xfrm rot="-2700000">
-            <a:off x="4840471" y="4081368"/>
+            <a:off x="4907583" y="4416927"/>
             <a:ext cx="1" cy="92372"/>
           </a:xfrm>
           <a:prstGeom prst="line">
@@ -4108,7 +5589,7 @@
         </p:nvCxnSpPr>
         <p:spPr>
           <a:xfrm rot="-2700000">
-            <a:off x="5087451" y="4340142"/>
+            <a:off x="5154563" y="4675701"/>
             <a:ext cx="1" cy="92372"/>
           </a:xfrm>
           <a:prstGeom prst="line">
@@ -4149,7 +5630,7 @@
         </p:nvSpPr>
         <p:spPr>
           <a:xfrm>
-            <a:off x="5175893" y="4163341"/>
+            <a:off x="5243005" y="4498900"/>
             <a:ext cx="458780" cy="246221"/>
           </a:xfrm>
           <a:prstGeom prst="rect">
@@ -4190,7 +5671,7 @@
         </p:nvCxnSpPr>
         <p:spPr>
           <a:xfrm flipV="1">
-            <a:off x="4753529" y="4696555"/>
+            <a:off x="4820641" y="5032114"/>
             <a:ext cx="2650411" cy="1"/>
           </a:xfrm>
           <a:prstGeom prst="line">
@@ -4231,7 +5712,7 @@
         </p:nvSpPr>
         <p:spPr>
           <a:xfrm>
-            <a:off x="4612224" y="4789658"/>
+            <a:off x="4679336" y="5125217"/>
             <a:ext cx="697627" cy="215444"/>
           </a:xfrm>
           <a:prstGeom prst="rect">
@@ -4275,7 +5756,7 @@
         </p:nvSpPr>
         <p:spPr>
           <a:xfrm>
-            <a:off x="5431209" y="4784361"/>
+            <a:off x="5498321" y="5119920"/>
             <a:ext cx="595035" cy="215444"/>
           </a:xfrm>
           <a:prstGeom prst="rect">
@@ -4319,7 +5800,7 @@
         </p:nvSpPr>
         <p:spPr>
           <a:xfrm>
-            <a:off x="6151986" y="4784361"/>
+            <a:off x="6219098" y="5119920"/>
             <a:ext cx="697627" cy="215444"/>
           </a:xfrm>
           <a:prstGeom prst="rect">
@@ -4363,7 +5844,7 @@
         </p:nvSpPr>
         <p:spPr>
           <a:xfrm>
-            <a:off x="6904770" y="4790565"/>
+            <a:off x="6971882" y="5126124"/>
             <a:ext cx="641522" cy="215444"/>
           </a:xfrm>
           <a:prstGeom prst="rect">
@@ -4410,7 +5891,7 @@
         </p:nvSpPr>
         <p:spPr>
           <a:xfrm>
-            <a:off x="4741914" y="5315230"/>
+            <a:off x="4809026" y="5650789"/>
             <a:ext cx="468398" cy="215444"/>
           </a:xfrm>
           <a:prstGeom prst="rect">
@@ -4453,7 +5934,7 @@
         </p:nvSpPr>
         <p:spPr>
           <a:xfrm>
-            <a:off x="4723106" y="4982507"/>
+            <a:off x="4790218" y="5318066"/>
             <a:ext cx="475862" cy="369332"/>
           </a:xfrm>
           <a:prstGeom prst="rect">
@@ -4495,7 +5976,7 @@
         </p:nvSpPr>
         <p:spPr>
           <a:xfrm>
-            <a:off x="5346604" y="4963559"/>
+            <a:off x="5413716" y="5299118"/>
             <a:ext cx="742511" cy="369332"/>
           </a:xfrm>
           <a:prstGeom prst="rect">
@@ -4534,7 +6015,7 @@
         </p:nvSpPr>
         <p:spPr>
           <a:xfrm>
-            <a:off x="5522982" y="5296568"/>
+            <a:off x="5590094" y="5632127"/>
             <a:ext cx="455574" cy="215444"/>
           </a:xfrm>
           <a:prstGeom prst="rect">
@@ -4573,7 +6054,7 @@
         </p:nvSpPr>
         <p:spPr>
           <a:xfrm>
-            <a:off x="6134680" y="4964663"/>
+            <a:off x="6201792" y="5300222"/>
             <a:ext cx="742511" cy="369332"/>
           </a:xfrm>
           <a:prstGeom prst="rect">
@@ -4612,7 +6093,7 @@
         </p:nvSpPr>
         <p:spPr>
           <a:xfrm>
-            <a:off x="6311058" y="5297672"/>
+            <a:off x="6378170" y="5633231"/>
             <a:ext cx="455574" cy="215444"/>
           </a:xfrm>
           <a:prstGeom prst="rect">
@@ -4651,7 +6132,7 @@
         </p:nvSpPr>
         <p:spPr>
           <a:xfrm>
-            <a:off x="6994033" y="5316344"/>
+            <a:off x="7061145" y="5651903"/>
             <a:ext cx="466794" cy="215444"/>
           </a:xfrm>
           <a:prstGeom prst="rect">
@@ -4694,7 +6175,7 @@
         </p:nvSpPr>
         <p:spPr>
           <a:xfrm>
-            <a:off x="6982689" y="4982507"/>
+            <a:off x="7049801" y="5318066"/>
             <a:ext cx="446868" cy="369332"/>
           </a:xfrm>
           <a:prstGeom prst="rect">
@@ -4728,7 +6209,7 @@
 </p:sld>
 </file>
 
-<file path=ppt/slides/slide2.xml><?xml version="1.0" encoding="utf-8"?>
+<file path=ppt/slides/slide5.xml><?xml version="1.0" encoding="utf-8"?>
 <p:sld xmlns:a="http://schemas.openxmlformats.org/drawingml/2006/main" xmlns:r="http://schemas.openxmlformats.org/officeDocument/2006/relationships" xmlns:p="http://schemas.openxmlformats.org/presentationml/2006/main">
   <p:cSld>
     <p:spTree>
@@ -4766,10 +6247,7 @@
             <a:avLst/>
           </a:prstGeom>
           <a:solidFill>
-            <a:schemeClr val="accent2">
-              <a:lumMod val="60000"/>
-              <a:lumOff val="40000"/>
-            </a:schemeClr>
+            <a:schemeClr val="tx1"/>
           </a:solidFill>
           <a:ln>
             <a:noFill/>
@@ -5150,7 +6628,7 @@
 </p:sld>
 </file>
 
-<file path=ppt/slides/slide3.xml><?xml version="1.0" encoding="utf-8"?>
+<file path=ppt/slides/slide6.xml><?xml version="1.0" encoding="utf-8"?>
 <p:sld xmlns:a="http://schemas.openxmlformats.org/drawingml/2006/main" xmlns:r="http://schemas.openxmlformats.org/officeDocument/2006/relationships" xmlns:p="http://schemas.openxmlformats.org/presentationml/2006/main">
   <p:cSld>
     <p:spTree>
@@ -5188,10 +6666,7 @@
             <a:avLst/>
           </a:prstGeom>
           <a:solidFill>
-            <a:schemeClr val="accent2">
-              <a:lumMod val="60000"/>
-              <a:lumOff val="40000"/>
-            </a:schemeClr>
+            <a:schemeClr val="tx1"/>
           </a:solidFill>
           <a:ln>
             <a:noFill/>
@@ -5556,6 +7031,1706 @@
     <p:extLst>
       <p:ext uri="{BB962C8B-B14F-4D97-AF65-F5344CB8AC3E}">
         <p14:creationId xmlns:p14="http://schemas.microsoft.com/office/powerpoint/2010/main" val="1348422268"/>
+      </p:ext>
+    </p:extLst>
+  </p:cSld>
+  <p:clrMapOvr>
+    <a:masterClrMapping/>
+  </p:clrMapOvr>
+</p:sld>
+</file>
+
+<file path=ppt/slides/slide7.xml><?xml version="1.0" encoding="utf-8"?>
+<p:sld xmlns:a="http://schemas.openxmlformats.org/drawingml/2006/main" xmlns:r="http://schemas.openxmlformats.org/officeDocument/2006/relationships" xmlns:p="http://schemas.openxmlformats.org/presentationml/2006/main">
+  <p:cSld>
+    <p:spTree>
+      <p:nvGrpSpPr>
+        <p:cNvPr id="1" name=""/>
+        <p:cNvGrpSpPr/>
+        <p:nvPr/>
+      </p:nvGrpSpPr>
+      <p:grpSpPr>
+        <a:xfrm>
+          <a:off x="0" y="0"/>
+          <a:ext cx="0" cy="0"/>
+          <a:chOff x="0" y="0"/>
+          <a:chExt cx="0" cy="0"/>
+        </a:xfrm>
+      </p:grpSpPr>
+      <p:pic>
+        <p:nvPicPr>
+          <p:cNvPr id="3" name="그림 2">
+            <a:extLst>
+              <a:ext uri="{FF2B5EF4-FFF2-40B4-BE49-F238E27FC236}">
+                <a16:creationId xmlns:a16="http://schemas.microsoft.com/office/drawing/2014/main" id="{A8A784A2-0BE0-4B71-9431-4AD1A5F97828}"/>
+              </a:ext>
+            </a:extLst>
+          </p:cNvPr>
+          <p:cNvPicPr>
+            <a:picLocks noChangeAspect="1"/>
+          </p:cNvPicPr>
+          <p:nvPr/>
+        </p:nvPicPr>
+        <p:blipFill>
+          <a:blip r:embed="rId2">
+            <a:extLst>
+              <a:ext uri="{28A0092B-C50C-407E-A947-70E740481C1C}">
+                <a14:useLocalDpi xmlns:a14="http://schemas.microsoft.com/office/drawing/2010/main" val="0"/>
+              </a:ext>
+            </a:extLst>
+          </a:blip>
+          <a:stretch>
+            <a:fillRect/>
+          </a:stretch>
+        </p:blipFill>
+        <p:spPr>
+          <a:xfrm>
+            <a:off x="642346" y="406835"/>
+            <a:ext cx="1540677" cy="900000"/>
+          </a:xfrm>
+          <a:prstGeom prst="rect">
+            <a:avLst/>
+          </a:prstGeom>
+        </p:spPr>
+      </p:pic>
+      <p:sp>
+        <p:nvSpPr>
+          <p:cNvPr id="16" name="화살표: 오른쪽 15">
+            <a:extLst>
+              <a:ext uri="{FF2B5EF4-FFF2-40B4-BE49-F238E27FC236}">
+                <a16:creationId xmlns:a16="http://schemas.microsoft.com/office/drawing/2014/main" id="{29F8D175-BEDA-4513-8A03-F1A2C4FD6F26}"/>
+              </a:ext>
+            </a:extLst>
+          </p:cNvPr>
+          <p:cNvSpPr/>
+          <p:nvPr/>
+        </p:nvSpPr>
+        <p:spPr>
+          <a:xfrm>
+            <a:off x="2374410" y="845297"/>
+            <a:ext cx="709466" cy="204236"/>
+          </a:xfrm>
+          <a:prstGeom prst="rightArrow">
+            <a:avLst/>
+          </a:prstGeom>
+        </p:spPr>
+        <p:style>
+          <a:lnRef idx="2">
+            <a:schemeClr val="accent1">
+              <a:shade val="50000"/>
+            </a:schemeClr>
+          </a:lnRef>
+          <a:fillRef idx="1">
+            <a:schemeClr val="accent1"/>
+          </a:fillRef>
+          <a:effectRef idx="0">
+            <a:schemeClr val="accent1"/>
+          </a:effectRef>
+          <a:fontRef idx="minor">
+            <a:schemeClr val="lt1"/>
+          </a:fontRef>
+        </p:style>
+        <p:txBody>
+          <a:bodyPr rtlCol="0" anchor="ctr"/>
+          <a:lstStyle/>
+          <a:p>
+            <a:pPr algn="ctr"/>
+            <a:endParaRPr lang="ko-KR" altLang="en-US"/>
+          </a:p>
+        </p:txBody>
+      </p:sp>
+      <p:sp>
+        <p:nvSpPr>
+          <p:cNvPr id="18" name="TextBox 17">
+            <a:extLst>
+              <a:ext uri="{FF2B5EF4-FFF2-40B4-BE49-F238E27FC236}">
+                <a16:creationId xmlns:a16="http://schemas.microsoft.com/office/drawing/2014/main" id="{E1FFCB57-E48B-4411-BC8A-75A7BCBCB974}"/>
+              </a:ext>
+            </a:extLst>
+          </p:cNvPr>
+          <p:cNvSpPr txBox="1"/>
+          <p:nvPr/>
+        </p:nvSpPr>
+        <p:spPr>
+          <a:xfrm>
+            <a:off x="7326877" y="1265038"/>
+            <a:ext cx="779381" cy="369332"/>
+          </a:xfrm>
+          <a:prstGeom prst="rect">
+            <a:avLst/>
+          </a:prstGeom>
+          <a:noFill/>
+        </p:spPr>
+        <p:txBody>
+          <a:bodyPr wrap="none" rtlCol="0">
+            <a:spAutoFit/>
+          </a:bodyPr>
+          <a:lstStyle/>
+          <a:p>
+            <a:r>
+              <a:rPr lang="en-US" altLang="ko-KR" dirty="0"/>
+              <a:t>Client</a:t>
+            </a:r>
+            <a:endParaRPr lang="ko-KR" altLang="en-US" dirty="0"/>
+          </a:p>
+        </p:txBody>
+      </p:sp>
+      <p:pic>
+        <p:nvPicPr>
+          <p:cNvPr id="5" name="그림 4">
+            <a:extLst>
+              <a:ext uri="{FF2B5EF4-FFF2-40B4-BE49-F238E27FC236}">
+                <a16:creationId xmlns:a16="http://schemas.microsoft.com/office/drawing/2014/main" id="{D63FE9A9-CB48-4AE4-9D8D-9EEFB15D1210}"/>
+              </a:ext>
+            </a:extLst>
+          </p:cNvPr>
+          <p:cNvPicPr>
+            <a:picLocks noChangeAspect="1"/>
+          </p:cNvPicPr>
+          <p:nvPr/>
+        </p:nvPicPr>
+        <p:blipFill>
+          <a:blip r:embed="rId3">
+            <a:extLst>
+              <a:ext uri="{28A0092B-C50C-407E-A947-70E740481C1C}">
+                <a14:useLocalDpi xmlns:a14="http://schemas.microsoft.com/office/drawing/2010/main" val="0"/>
+              </a:ext>
+            </a:extLst>
+          </a:blip>
+          <a:stretch>
+            <a:fillRect/>
+          </a:stretch>
+        </p:blipFill>
+        <p:spPr>
+          <a:xfrm>
+            <a:off x="3367956" y="2771537"/>
+            <a:ext cx="900000" cy="900000"/>
+          </a:xfrm>
+          <a:prstGeom prst="rect">
+            <a:avLst/>
+          </a:prstGeom>
+        </p:spPr>
+      </p:pic>
+      <p:pic>
+        <p:nvPicPr>
+          <p:cNvPr id="7" name="그림 6">
+            <a:extLst>
+              <a:ext uri="{FF2B5EF4-FFF2-40B4-BE49-F238E27FC236}">
+                <a16:creationId xmlns:a16="http://schemas.microsoft.com/office/drawing/2014/main" id="{C97531DD-177A-49E7-A834-AD2B735297CF}"/>
+              </a:ext>
+            </a:extLst>
+          </p:cNvPr>
+          <p:cNvPicPr>
+            <a:picLocks noChangeAspect="1"/>
+          </p:cNvPicPr>
+          <p:nvPr/>
+        </p:nvPicPr>
+        <p:blipFill>
+          <a:blip r:embed="rId4">
+            <a:extLst>
+              <a:ext uri="{28A0092B-C50C-407E-A947-70E740481C1C}">
+                <a14:useLocalDpi xmlns:a14="http://schemas.microsoft.com/office/drawing/2010/main" val="0"/>
+              </a:ext>
+            </a:extLst>
+          </a:blip>
+          <a:stretch>
+            <a:fillRect/>
+          </a:stretch>
+        </p:blipFill>
+        <p:spPr>
+          <a:xfrm>
+            <a:off x="3276969" y="447108"/>
+            <a:ext cx="900000" cy="900000"/>
+          </a:xfrm>
+          <a:prstGeom prst="rect">
+            <a:avLst/>
+          </a:prstGeom>
+        </p:spPr>
+      </p:pic>
+      <p:pic>
+        <p:nvPicPr>
+          <p:cNvPr id="9" name="그림 8" descr="전자기기, 회로이(가) 표시된 사진&#10;&#10;자동 생성된 설명">
+            <a:extLst>
+              <a:ext uri="{FF2B5EF4-FFF2-40B4-BE49-F238E27FC236}">
+                <a16:creationId xmlns:a16="http://schemas.microsoft.com/office/drawing/2014/main" id="{97EB030E-C94B-41A0-8D45-D9477A99E91A}"/>
+              </a:ext>
+            </a:extLst>
+          </p:cNvPr>
+          <p:cNvPicPr>
+            <a:picLocks noChangeAspect="1"/>
+          </p:cNvPicPr>
+          <p:nvPr/>
+        </p:nvPicPr>
+        <p:blipFill>
+          <a:blip r:embed="rId5">
+            <a:extLst>
+              <a:ext uri="{28A0092B-C50C-407E-A947-70E740481C1C}">
+                <a14:useLocalDpi xmlns:a14="http://schemas.microsoft.com/office/drawing/2010/main" val="0"/>
+              </a:ext>
+            </a:extLst>
+          </a:blip>
+          <a:stretch>
+            <a:fillRect/>
+          </a:stretch>
+        </p:blipFill>
+        <p:spPr>
+          <a:xfrm>
+            <a:off x="3019447" y="5037999"/>
+            <a:ext cx="1533140" cy="900000"/>
+          </a:xfrm>
+          <a:prstGeom prst="rect">
+            <a:avLst/>
+          </a:prstGeom>
+        </p:spPr>
+      </p:pic>
+      <p:pic>
+        <p:nvPicPr>
+          <p:cNvPr id="20" name="그림 19">
+            <a:extLst>
+              <a:ext uri="{FF2B5EF4-FFF2-40B4-BE49-F238E27FC236}">
+                <a16:creationId xmlns:a16="http://schemas.microsoft.com/office/drawing/2014/main" id="{A3E68E24-AA6E-47D9-B2F7-FF110443EFEE}"/>
+              </a:ext>
+            </a:extLst>
+          </p:cNvPr>
+          <p:cNvPicPr>
+            <a:picLocks noChangeAspect="1"/>
+          </p:cNvPicPr>
+          <p:nvPr/>
+        </p:nvPicPr>
+        <p:blipFill>
+          <a:blip r:embed="rId6">
+            <a:extLst>
+              <a:ext uri="{28A0092B-C50C-407E-A947-70E740481C1C}">
+                <a14:useLocalDpi xmlns:a14="http://schemas.microsoft.com/office/drawing/2010/main" val="0"/>
+              </a:ext>
+            </a:extLst>
+          </a:blip>
+          <a:stretch>
+            <a:fillRect/>
+          </a:stretch>
+        </p:blipFill>
+        <p:spPr>
+          <a:xfrm>
+            <a:off x="5270915" y="406073"/>
+            <a:ext cx="900000" cy="900000"/>
+          </a:xfrm>
+          <a:prstGeom prst="rect">
+            <a:avLst/>
+          </a:prstGeom>
+        </p:spPr>
+      </p:pic>
+      <p:pic>
+        <p:nvPicPr>
+          <p:cNvPr id="22" name="그림 21">
+            <a:extLst>
+              <a:ext uri="{FF2B5EF4-FFF2-40B4-BE49-F238E27FC236}">
+                <a16:creationId xmlns:a16="http://schemas.microsoft.com/office/drawing/2014/main" id="{D9E5AEEA-A8F8-41D9-A58C-A26BBBA0D55F}"/>
+              </a:ext>
+            </a:extLst>
+          </p:cNvPr>
+          <p:cNvPicPr>
+            <a:picLocks noChangeAspect="1"/>
+          </p:cNvPicPr>
+          <p:nvPr/>
+        </p:nvPicPr>
+        <p:blipFill>
+          <a:blip r:embed="rId7">
+            <a:extLst>
+              <a:ext uri="{28A0092B-C50C-407E-A947-70E740481C1C}">
+                <a14:useLocalDpi xmlns:a14="http://schemas.microsoft.com/office/drawing/2010/main" val="0"/>
+              </a:ext>
+            </a:extLst>
+          </a:blip>
+          <a:stretch>
+            <a:fillRect/>
+          </a:stretch>
+        </p:blipFill>
+        <p:spPr>
+          <a:xfrm>
+            <a:off x="7266567" y="406073"/>
+            <a:ext cx="900000" cy="900000"/>
+          </a:xfrm>
+          <a:prstGeom prst="rect">
+            <a:avLst/>
+          </a:prstGeom>
+        </p:spPr>
+      </p:pic>
+      <p:sp>
+        <p:nvSpPr>
+          <p:cNvPr id="26" name="화살표: 오른쪽 25">
+            <a:extLst>
+              <a:ext uri="{FF2B5EF4-FFF2-40B4-BE49-F238E27FC236}">
+                <a16:creationId xmlns:a16="http://schemas.microsoft.com/office/drawing/2014/main" id="{1ACBDDD2-9818-429B-A5CA-7CB03C1F38F2}"/>
+              </a:ext>
+            </a:extLst>
+          </p:cNvPr>
+          <p:cNvSpPr/>
+          <p:nvPr/>
+        </p:nvSpPr>
+        <p:spPr>
+          <a:xfrm>
+            <a:off x="4369209" y="652218"/>
+            <a:ext cx="709466" cy="204236"/>
+          </a:xfrm>
+          <a:prstGeom prst="rightArrow">
+            <a:avLst/>
+          </a:prstGeom>
+        </p:spPr>
+        <p:style>
+          <a:lnRef idx="2">
+            <a:schemeClr val="accent1">
+              <a:shade val="50000"/>
+            </a:schemeClr>
+          </a:lnRef>
+          <a:fillRef idx="1">
+            <a:schemeClr val="accent1"/>
+          </a:fillRef>
+          <a:effectRef idx="0">
+            <a:schemeClr val="accent1"/>
+          </a:effectRef>
+          <a:fontRef idx="minor">
+            <a:schemeClr val="lt1"/>
+          </a:fontRef>
+        </p:style>
+        <p:txBody>
+          <a:bodyPr rtlCol="0" anchor="ctr"/>
+          <a:lstStyle/>
+          <a:p>
+            <a:pPr algn="ctr"/>
+            <a:endParaRPr lang="ko-KR" altLang="en-US"/>
+          </a:p>
+        </p:txBody>
+      </p:sp>
+      <p:sp>
+        <p:nvSpPr>
+          <p:cNvPr id="27" name="화살표: 오른쪽 26">
+            <a:extLst>
+              <a:ext uri="{FF2B5EF4-FFF2-40B4-BE49-F238E27FC236}">
+                <a16:creationId xmlns:a16="http://schemas.microsoft.com/office/drawing/2014/main" id="{44CECDF7-E2D6-4850-9141-DFBB52490157}"/>
+              </a:ext>
+            </a:extLst>
+          </p:cNvPr>
+          <p:cNvSpPr/>
+          <p:nvPr/>
+        </p:nvSpPr>
+        <p:spPr>
+          <a:xfrm rot="10800000">
+            <a:off x="4369209" y="993569"/>
+            <a:ext cx="709466" cy="204236"/>
+          </a:xfrm>
+          <a:prstGeom prst="rightArrow">
+            <a:avLst/>
+          </a:prstGeom>
+          <a:solidFill>
+            <a:srgbClr val="FF0000"/>
+          </a:solidFill>
+        </p:spPr>
+        <p:style>
+          <a:lnRef idx="2">
+            <a:schemeClr val="accent1">
+              <a:shade val="50000"/>
+            </a:schemeClr>
+          </a:lnRef>
+          <a:fillRef idx="1">
+            <a:schemeClr val="accent1"/>
+          </a:fillRef>
+          <a:effectRef idx="0">
+            <a:schemeClr val="accent1"/>
+          </a:effectRef>
+          <a:fontRef idx="minor">
+            <a:schemeClr val="lt1"/>
+          </a:fontRef>
+        </p:style>
+        <p:txBody>
+          <a:bodyPr rtlCol="0" anchor="ctr"/>
+          <a:lstStyle/>
+          <a:p>
+            <a:pPr algn="ctr"/>
+            <a:endParaRPr lang="ko-KR" altLang="en-US"/>
+          </a:p>
+        </p:txBody>
+      </p:sp>
+      <p:sp>
+        <p:nvSpPr>
+          <p:cNvPr id="28" name="화살표: 오른쪽 27">
+            <a:extLst>
+              <a:ext uri="{FF2B5EF4-FFF2-40B4-BE49-F238E27FC236}">
+                <a16:creationId xmlns:a16="http://schemas.microsoft.com/office/drawing/2014/main" id="{75B8E2AC-6B05-48F3-A02C-1F1476C01FE4}"/>
+              </a:ext>
+            </a:extLst>
+          </p:cNvPr>
+          <p:cNvSpPr/>
+          <p:nvPr/>
+        </p:nvSpPr>
+        <p:spPr>
+          <a:xfrm>
+            <a:off x="6363155" y="652217"/>
+            <a:ext cx="709466" cy="204236"/>
+          </a:xfrm>
+          <a:prstGeom prst="rightArrow">
+            <a:avLst/>
+          </a:prstGeom>
+        </p:spPr>
+        <p:style>
+          <a:lnRef idx="2">
+            <a:schemeClr val="accent1">
+              <a:shade val="50000"/>
+            </a:schemeClr>
+          </a:lnRef>
+          <a:fillRef idx="1">
+            <a:schemeClr val="accent1"/>
+          </a:fillRef>
+          <a:effectRef idx="0">
+            <a:schemeClr val="accent1"/>
+          </a:effectRef>
+          <a:fontRef idx="minor">
+            <a:schemeClr val="lt1"/>
+          </a:fontRef>
+        </p:style>
+        <p:txBody>
+          <a:bodyPr rtlCol="0" anchor="ctr"/>
+          <a:lstStyle/>
+          <a:p>
+            <a:pPr algn="ctr"/>
+            <a:endParaRPr lang="ko-KR" altLang="en-US"/>
+          </a:p>
+        </p:txBody>
+      </p:sp>
+      <p:sp>
+        <p:nvSpPr>
+          <p:cNvPr id="29" name="화살표: 오른쪽 28">
+            <a:extLst>
+              <a:ext uri="{FF2B5EF4-FFF2-40B4-BE49-F238E27FC236}">
+                <a16:creationId xmlns:a16="http://schemas.microsoft.com/office/drawing/2014/main" id="{79F57740-65CF-4E67-93C6-8A391A4BBE7D}"/>
+              </a:ext>
+            </a:extLst>
+          </p:cNvPr>
+          <p:cNvSpPr/>
+          <p:nvPr/>
+        </p:nvSpPr>
+        <p:spPr>
+          <a:xfrm rot="10800000">
+            <a:off x="6363155" y="993568"/>
+            <a:ext cx="709466" cy="204236"/>
+          </a:xfrm>
+          <a:prstGeom prst="rightArrow">
+            <a:avLst/>
+          </a:prstGeom>
+          <a:solidFill>
+            <a:srgbClr val="FF0000"/>
+          </a:solidFill>
+        </p:spPr>
+        <p:style>
+          <a:lnRef idx="2">
+            <a:schemeClr val="accent1">
+              <a:shade val="50000"/>
+            </a:schemeClr>
+          </a:lnRef>
+          <a:fillRef idx="1">
+            <a:schemeClr val="accent1"/>
+          </a:fillRef>
+          <a:effectRef idx="0">
+            <a:schemeClr val="accent1"/>
+          </a:effectRef>
+          <a:fontRef idx="minor">
+            <a:schemeClr val="lt1"/>
+          </a:fontRef>
+        </p:style>
+        <p:txBody>
+          <a:bodyPr rtlCol="0" anchor="ctr"/>
+          <a:lstStyle/>
+          <a:p>
+            <a:pPr algn="ctr"/>
+            <a:endParaRPr lang="ko-KR" altLang="en-US"/>
+          </a:p>
+        </p:txBody>
+      </p:sp>
+      <p:sp>
+        <p:nvSpPr>
+          <p:cNvPr id="30" name="화살표: 오른쪽 29">
+            <a:extLst>
+              <a:ext uri="{FF2B5EF4-FFF2-40B4-BE49-F238E27FC236}">
+                <a16:creationId xmlns:a16="http://schemas.microsoft.com/office/drawing/2014/main" id="{C65A93B3-D019-4808-9397-BB43912B4EEA}"/>
+              </a:ext>
+            </a:extLst>
+          </p:cNvPr>
+          <p:cNvSpPr/>
+          <p:nvPr/>
+        </p:nvSpPr>
+        <p:spPr>
+          <a:xfrm rot="16200000">
+            <a:off x="3329165" y="2097164"/>
+            <a:ext cx="709466" cy="204236"/>
+          </a:xfrm>
+          <a:prstGeom prst="rightArrow">
+            <a:avLst/>
+          </a:prstGeom>
+        </p:spPr>
+        <p:style>
+          <a:lnRef idx="2">
+            <a:schemeClr val="accent1">
+              <a:shade val="50000"/>
+            </a:schemeClr>
+          </a:lnRef>
+          <a:fillRef idx="1">
+            <a:schemeClr val="accent1"/>
+          </a:fillRef>
+          <a:effectRef idx="0">
+            <a:schemeClr val="accent1"/>
+          </a:effectRef>
+          <a:fontRef idx="minor">
+            <a:schemeClr val="lt1"/>
+          </a:fontRef>
+        </p:style>
+        <p:txBody>
+          <a:bodyPr rtlCol="0" anchor="ctr"/>
+          <a:lstStyle/>
+          <a:p>
+            <a:pPr algn="ctr"/>
+            <a:endParaRPr lang="ko-KR" altLang="en-US"/>
+          </a:p>
+        </p:txBody>
+      </p:sp>
+      <p:sp>
+        <p:nvSpPr>
+          <p:cNvPr id="31" name="화살표: 오른쪽 30">
+            <a:extLst>
+              <a:ext uri="{FF2B5EF4-FFF2-40B4-BE49-F238E27FC236}">
+                <a16:creationId xmlns:a16="http://schemas.microsoft.com/office/drawing/2014/main" id="{E83DC260-CBF9-40EC-820F-ED6E72D5354B}"/>
+              </a:ext>
+            </a:extLst>
+          </p:cNvPr>
+          <p:cNvSpPr/>
+          <p:nvPr/>
+        </p:nvSpPr>
+        <p:spPr>
+          <a:xfrm rot="5400000">
+            <a:off x="3665674" y="2097164"/>
+            <a:ext cx="709466" cy="204236"/>
+          </a:xfrm>
+          <a:prstGeom prst="rightArrow">
+            <a:avLst/>
+          </a:prstGeom>
+          <a:solidFill>
+            <a:srgbClr val="FF0000"/>
+          </a:solidFill>
+        </p:spPr>
+        <p:style>
+          <a:lnRef idx="2">
+            <a:schemeClr val="accent1">
+              <a:shade val="50000"/>
+            </a:schemeClr>
+          </a:lnRef>
+          <a:fillRef idx="1">
+            <a:schemeClr val="accent1"/>
+          </a:fillRef>
+          <a:effectRef idx="0">
+            <a:schemeClr val="accent1"/>
+          </a:effectRef>
+          <a:fontRef idx="minor">
+            <a:schemeClr val="lt1"/>
+          </a:fontRef>
+        </p:style>
+        <p:txBody>
+          <a:bodyPr rtlCol="0" anchor="ctr"/>
+          <a:lstStyle/>
+          <a:p>
+            <a:pPr algn="ctr"/>
+            <a:endParaRPr lang="ko-KR" altLang="en-US"/>
+          </a:p>
+        </p:txBody>
+      </p:sp>
+      <p:sp>
+        <p:nvSpPr>
+          <p:cNvPr id="32" name="화살표: 오른쪽 31">
+            <a:extLst>
+              <a:ext uri="{FF2B5EF4-FFF2-40B4-BE49-F238E27FC236}">
+                <a16:creationId xmlns:a16="http://schemas.microsoft.com/office/drawing/2014/main" id="{A3228606-9D8E-42C3-B54D-85E68D93F7A4}"/>
+              </a:ext>
+            </a:extLst>
+          </p:cNvPr>
+          <p:cNvSpPr/>
+          <p:nvPr/>
+        </p:nvSpPr>
+        <p:spPr>
+          <a:xfrm rot="16200000">
+            <a:off x="3456439" y="4363627"/>
+            <a:ext cx="709466" cy="204236"/>
+          </a:xfrm>
+          <a:prstGeom prst="rightArrow">
+            <a:avLst/>
+          </a:prstGeom>
+        </p:spPr>
+        <p:style>
+          <a:lnRef idx="2">
+            <a:schemeClr val="accent1">
+              <a:shade val="50000"/>
+            </a:schemeClr>
+          </a:lnRef>
+          <a:fillRef idx="1">
+            <a:schemeClr val="accent1"/>
+          </a:fillRef>
+          <a:effectRef idx="0">
+            <a:schemeClr val="accent1"/>
+          </a:effectRef>
+          <a:fontRef idx="minor">
+            <a:schemeClr val="lt1"/>
+          </a:fontRef>
+        </p:style>
+        <p:txBody>
+          <a:bodyPr rtlCol="0" anchor="ctr"/>
+          <a:lstStyle/>
+          <a:p>
+            <a:pPr algn="ctr"/>
+            <a:endParaRPr lang="ko-KR" altLang="en-US"/>
+          </a:p>
+        </p:txBody>
+      </p:sp>
+      <p:sp>
+        <p:nvSpPr>
+          <p:cNvPr id="34" name="TextBox 33">
+            <a:extLst>
+              <a:ext uri="{FF2B5EF4-FFF2-40B4-BE49-F238E27FC236}">
+                <a16:creationId xmlns:a16="http://schemas.microsoft.com/office/drawing/2014/main" id="{E78D974B-77FC-4593-8D33-B93C301A6E80}"/>
+              </a:ext>
+            </a:extLst>
+          </p:cNvPr>
+          <p:cNvSpPr txBox="1"/>
+          <p:nvPr/>
+        </p:nvSpPr>
+        <p:spPr>
+          <a:xfrm>
+            <a:off x="2438839" y="513717"/>
+            <a:ext cx="580608" cy="276999"/>
+          </a:xfrm>
+          <a:prstGeom prst="rect">
+            <a:avLst/>
+          </a:prstGeom>
+          <a:noFill/>
+        </p:spPr>
+        <p:txBody>
+          <a:bodyPr wrap="none" rtlCol="0">
+            <a:spAutoFit/>
+          </a:bodyPr>
+          <a:lstStyle/>
+          <a:p>
+            <a:r>
+              <a:rPr lang="en-US" altLang="ko-KR" sz="1200" b="1" dirty="0"/>
+              <a:t>JSON</a:t>
+            </a:r>
+          </a:p>
+        </p:txBody>
+      </p:sp>
+      <p:sp>
+        <p:nvSpPr>
+          <p:cNvPr id="35" name="TextBox 34">
+            <a:extLst>
+              <a:ext uri="{FF2B5EF4-FFF2-40B4-BE49-F238E27FC236}">
+                <a16:creationId xmlns:a16="http://schemas.microsoft.com/office/drawing/2014/main" id="{190247CF-7256-4222-ABBA-76C1C403A29E}"/>
+              </a:ext>
+            </a:extLst>
+          </p:cNvPr>
+          <p:cNvSpPr txBox="1"/>
+          <p:nvPr/>
+        </p:nvSpPr>
+        <p:spPr>
+          <a:xfrm>
+            <a:off x="4432785" y="375217"/>
+            <a:ext cx="554960" cy="276999"/>
+          </a:xfrm>
+          <a:prstGeom prst="rect">
+            <a:avLst/>
+          </a:prstGeom>
+          <a:noFill/>
+        </p:spPr>
+        <p:txBody>
+          <a:bodyPr wrap="none" rtlCol="0">
+            <a:spAutoFit/>
+          </a:bodyPr>
+          <a:lstStyle/>
+          <a:p>
+            <a:r>
+              <a:rPr lang="en-US" altLang="ko-KR" sz="1200" b="1" dirty="0"/>
+              <a:t>Build</a:t>
+            </a:r>
+          </a:p>
+        </p:txBody>
+      </p:sp>
+      <p:sp>
+        <p:nvSpPr>
+          <p:cNvPr id="36" name="TextBox 35">
+            <a:extLst>
+              <a:ext uri="{FF2B5EF4-FFF2-40B4-BE49-F238E27FC236}">
+                <a16:creationId xmlns:a16="http://schemas.microsoft.com/office/drawing/2014/main" id="{064A1DB5-85F1-4D65-BB94-E40A466CC0E0}"/>
+              </a:ext>
+            </a:extLst>
+          </p:cNvPr>
+          <p:cNvSpPr txBox="1"/>
+          <p:nvPr/>
+        </p:nvSpPr>
+        <p:spPr>
+          <a:xfrm>
+            <a:off x="6240778" y="375217"/>
+            <a:ext cx="977447" cy="276999"/>
+          </a:xfrm>
+          <a:prstGeom prst="rect">
+            <a:avLst/>
+          </a:prstGeom>
+          <a:noFill/>
+        </p:spPr>
+        <p:txBody>
+          <a:bodyPr wrap="none" rtlCol="0">
+            <a:spAutoFit/>
+          </a:bodyPr>
+          <a:lstStyle/>
+          <a:p>
+            <a:r>
+              <a:rPr lang="en-US" altLang="ko-KR" sz="1200" b="1" dirty="0"/>
+              <a:t>Interaction</a:t>
+            </a:r>
+          </a:p>
+        </p:txBody>
+      </p:sp>
+      <p:sp>
+        <p:nvSpPr>
+          <p:cNvPr id="37" name="TextBox 36">
+            <a:extLst>
+              <a:ext uri="{FF2B5EF4-FFF2-40B4-BE49-F238E27FC236}">
+                <a16:creationId xmlns:a16="http://schemas.microsoft.com/office/drawing/2014/main" id="{40B389A2-AB42-465A-8104-1ED28A547319}"/>
+              </a:ext>
+            </a:extLst>
+          </p:cNvPr>
+          <p:cNvSpPr txBox="1"/>
+          <p:nvPr/>
+        </p:nvSpPr>
+        <p:spPr>
+          <a:xfrm>
+            <a:off x="3421481" y="1265038"/>
+            <a:ext cx="852798" cy="369332"/>
+          </a:xfrm>
+          <a:prstGeom prst="rect">
+            <a:avLst/>
+          </a:prstGeom>
+          <a:noFill/>
+        </p:spPr>
+        <p:txBody>
+          <a:bodyPr wrap="none" rtlCol="0">
+            <a:spAutoFit/>
+          </a:bodyPr>
+          <a:lstStyle/>
+          <a:p>
+            <a:r>
+              <a:rPr lang="en-US" altLang="ko-KR" dirty="0"/>
+              <a:t>Flutter</a:t>
+            </a:r>
+            <a:endParaRPr lang="ko-KR" altLang="en-US" dirty="0"/>
+          </a:p>
+        </p:txBody>
+      </p:sp>
+      <p:sp>
+        <p:nvSpPr>
+          <p:cNvPr id="38" name="TextBox 37">
+            <a:extLst>
+              <a:ext uri="{FF2B5EF4-FFF2-40B4-BE49-F238E27FC236}">
+                <a16:creationId xmlns:a16="http://schemas.microsoft.com/office/drawing/2014/main" id="{3E75FA77-A868-4DB1-B553-9495747E789F}"/>
+              </a:ext>
+            </a:extLst>
+          </p:cNvPr>
+          <p:cNvSpPr txBox="1"/>
+          <p:nvPr/>
+        </p:nvSpPr>
+        <p:spPr>
+          <a:xfrm>
+            <a:off x="5414581" y="1265038"/>
+            <a:ext cx="612668" cy="369332"/>
+          </a:xfrm>
+          <a:prstGeom prst="rect">
+            <a:avLst/>
+          </a:prstGeom>
+          <a:noFill/>
+        </p:spPr>
+        <p:txBody>
+          <a:bodyPr wrap="none" rtlCol="0">
+            <a:spAutoFit/>
+          </a:bodyPr>
+          <a:lstStyle/>
+          <a:p>
+            <a:r>
+              <a:rPr lang="en-US" altLang="ko-KR" dirty="0"/>
+              <a:t>App</a:t>
+            </a:r>
+            <a:endParaRPr lang="ko-KR" altLang="en-US" dirty="0"/>
+          </a:p>
+        </p:txBody>
+      </p:sp>
+      <p:sp>
+        <p:nvSpPr>
+          <p:cNvPr id="39" name="TextBox 38">
+            <a:extLst>
+              <a:ext uri="{FF2B5EF4-FFF2-40B4-BE49-F238E27FC236}">
+                <a16:creationId xmlns:a16="http://schemas.microsoft.com/office/drawing/2014/main" id="{2080A4C0-B41C-4464-8FF7-479881D19810}"/>
+              </a:ext>
+            </a:extLst>
+          </p:cNvPr>
+          <p:cNvSpPr txBox="1"/>
+          <p:nvPr/>
+        </p:nvSpPr>
+        <p:spPr>
+          <a:xfrm>
+            <a:off x="3300058" y="3595632"/>
+            <a:ext cx="1035796" cy="369332"/>
+          </a:xfrm>
+          <a:prstGeom prst="rect">
+            <a:avLst/>
+          </a:prstGeom>
+          <a:noFill/>
+        </p:spPr>
+        <p:txBody>
+          <a:bodyPr wrap="none" rtlCol="0">
+            <a:spAutoFit/>
+          </a:bodyPr>
+          <a:lstStyle/>
+          <a:p>
+            <a:r>
+              <a:rPr lang="en-US" altLang="ko-KR" dirty="0"/>
+              <a:t>FireBase</a:t>
+            </a:r>
+            <a:endParaRPr lang="ko-KR" altLang="en-US" dirty="0"/>
+          </a:p>
+        </p:txBody>
+      </p:sp>
+      <p:sp>
+        <p:nvSpPr>
+          <p:cNvPr id="40" name="TextBox 39">
+            <a:extLst>
+              <a:ext uri="{FF2B5EF4-FFF2-40B4-BE49-F238E27FC236}">
+                <a16:creationId xmlns:a16="http://schemas.microsoft.com/office/drawing/2014/main" id="{B0F1B87C-0758-4EF3-8138-39534C3A88B8}"/>
+              </a:ext>
+            </a:extLst>
+          </p:cNvPr>
+          <p:cNvSpPr txBox="1"/>
+          <p:nvPr/>
+        </p:nvSpPr>
+        <p:spPr>
+          <a:xfrm>
+            <a:off x="3097321" y="5850587"/>
+            <a:ext cx="1501117" cy="369332"/>
+          </a:xfrm>
+          <a:prstGeom prst="rect">
+            <a:avLst/>
+          </a:prstGeom>
+          <a:noFill/>
+        </p:spPr>
+        <p:txBody>
+          <a:bodyPr wrap="none" rtlCol="0">
+            <a:spAutoFit/>
+          </a:bodyPr>
+          <a:lstStyle/>
+          <a:p>
+            <a:r>
+              <a:rPr lang="en-US" altLang="ko-KR" dirty="0"/>
+              <a:t>Raspberry Pi</a:t>
+            </a:r>
+            <a:endParaRPr lang="ko-KR" altLang="en-US" dirty="0"/>
+          </a:p>
+        </p:txBody>
+      </p:sp>
+      <p:sp>
+        <p:nvSpPr>
+          <p:cNvPr id="41" name="TextBox 40">
+            <a:extLst>
+              <a:ext uri="{FF2B5EF4-FFF2-40B4-BE49-F238E27FC236}">
+                <a16:creationId xmlns:a16="http://schemas.microsoft.com/office/drawing/2014/main" id="{AF9A5AB6-EA2E-4C7E-BA2F-1D838A6A4AA1}"/>
+              </a:ext>
+            </a:extLst>
+          </p:cNvPr>
+          <p:cNvSpPr txBox="1"/>
+          <p:nvPr/>
+        </p:nvSpPr>
+        <p:spPr>
+          <a:xfrm>
+            <a:off x="3899489" y="4362982"/>
+            <a:ext cx="1538050" cy="276999"/>
+          </a:xfrm>
+          <a:prstGeom prst="rect">
+            <a:avLst/>
+          </a:prstGeom>
+          <a:noFill/>
+        </p:spPr>
+        <p:txBody>
+          <a:bodyPr wrap="none" rtlCol="0">
+            <a:spAutoFit/>
+          </a:bodyPr>
+          <a:lstStyle/>
+          <a:p>
+            <a:r>
+              <a:rPr lang="en-US" altLang="ko-KR" sz="1200" b="1" dirty="0"/>
+              <a:t>Send Sensor Value</a:t>
+            </a:r>
+          </a:p>
+        </p:txBody>
+      </p:sp>
+      <p:sp>
+        <p:nvSpPr>
+          <p:cNvPr id="42" name="TextBox 41">
+            <a:extLst>
+              <a:ext uri="{FF2B5EF4-FFF2-40B4-BE49-F238E27FC236}">
+                <a16:creationId xmlns:a16="http://schemas.microsoft.com/office/drawing/2014/main" id="{43249192-EA4E-4116-A4FD-274179633C90}"/>
+              </a:ext>
+            </a:extLst>
+          </p:cNvPr>
+          <p:cNvSpPr txBox="1"/>
+          <p:nvPr/>
+        </p:nvSpPr>
+        <p:spPr>
+          <a:xfrm>
+            <a:off x="4063863" y="2032388"/>
+            <a:ext cx="977447" cy="276999"/>
+          </a:xfrm>
+          <a:prstGeom prst="rect">
+            <a:avLst/>
+          </a:prstGeom>
+          <a:noFill/>
+        </p:spPr>
+        <p:txBody>
+          <a:bodyPr wrap="none" rtlCol="0">
+            <a:spAutoFit/>
+          </a:bodyPr>
+          <a:lstStyle/>
+          <a:p>
+            <a:r>
+              <a:rPr lang="en-US" altLang="ko-KR" sz="1200" b="1" dirty="0"/>
+              <a:t>Interaction</a:t>
+            </a:r>
+          </a:p>
+        </p:txBody>
+      </p:sp>
+      <p:sp>
+        <p:nvSpPr>
+          <p:cNvPr id="44" name="TextBox 43">
+            <a:extLst>
+              <a:ext uri="{FF2B5EF4-FFF2-40B4-BE49-F238E27FC236}">
+                <a16:creationId xmlns:a16="http://schemas.microsoft.com/office/drawing/2014/main" id="{6C3E2D76-85BD-4E77-8F5B-BD54F6A6AD3E}"/>
+              </a:ext>
+            </a:extLst>
+          </p:cNvPr>
+          <p:cNvSpPr txBox="1"/>
+          <p:nvPr/>
+        </p:nvSpPr>
+        <p:spPr>
+          <a:xfrm>
+            <a:off x="988856" y="1262111"/>
+            <a:ext cx="852798" cy="369332"/>
+          </a:xfrm>
+          <a:prstGeom prst="rect">
+            <a:avLst/>
+          </a:prstGeom>
+          <a:noFill/>
+        </p:spPr>
+        <p:txBody>
+          <a:bodyPr wrap="none" rtlCol="0">
+            <a:spAutoFit/>
+          </a:bodyPr>
+          <a:lstStyle/>
+          <a:p>
+            <a:r>
+              <a:rPr lang="en-US" altLang="ko-KR" dirty="0"/>
+              <a:t>Flutter</a:t>
+            </a:r>
+            <a:endParaRPr lang="ko-KR" altLang="en-US" dirty="0"/>
+          </a:p>
+        </p:txBody>
+      </p:sp>
+    </p:spTree>
+    <p:extLst>
+      <p:ext uri="{BB962C8B-B14F-4D97-AF65-F5344CB8AC3E}">
+        <p14:creationId xmlns:p14="http://schemas.microsoft.com/office/powerpoint/2010/main" val="492082502"/>
+      </p:ext>
+    </p:extLst>
+  </p:cSld>
+  <p:clrMapOvr>
+    <a:masterClrMapping/>
+  </p:clrMapOvr>
+</p:sld>
+</file>
+
+<file path=ppt/slides/slide8.xml><?xml version="1.0" encoding="utf-8"?>
+<p:sld xmlns:a="http://schemas.openxmlformats.org/drawingml/2006/main" xmlns:r="http://schemas.openxmlformats.org/officeDocument/2006/relationships" xmlns:p="http://schemas.openxmlformats.org/presentationml/2006/main">
+  <p:cSld>
+    <p:spTree>
+      <p:nvGrpSpPr>
+        <p:cNvPr id="1" name=""/>
+        <p:cNvGrpSpPr/>
+        <p:nvPr/>
+      </p:nvGrpSpPr>
+      <p:grpSpPr>
+        <a:xfrm>
+          <a:off x="0" y="0"/>
+          <a:ext cx="0" cy="0"/>
+          <a:chOff x="0" y="0"/>
+          <a:chExt cx="0" cy="0"/>
+        </a:xfrm>
+      </p:grpSpPr>
+      <p:sp>
+        <p:nvSpPr>
+          <p:cNvPr id="4" name="직사각형 3"/>
+          <p:cNvSpPr/>
+          <p:nvPr/>
+        </p:nvSpPr>
+        <p:spPr>
+          <a:xfrm>
+            <a:off x="0" y="-1"/>
+            <a:ext cx="180000" cy="1440000"/>
+          </a:xfrm>
+          <a:prstGeom prst="rect">
+            <a:avLst/>
+          </a:prstGeom>
+          <a:solidFill>
+            <a:srgbClr val="49A6A6"/>
+          </a:solidFill>
+          <a:ln>
+            <a:noFill/>
+          </a:ln>
+        </p:spPr>
+        <p:style>
+          <a:lnRef idx="2">
+            <a:schemeClr val="accent1">
+              <a:shade val="50000"/>
+            </a:schemeClr>
+          </a:lnRef>
+          <a:fillRef idx="1">
+            <a:schemeClr val="accent1"/>
+          </a:fillRef>
+          <a:effectRef idx="0">
+            <a:schemeClr val="accent1"/>
+          </a:effectRef>
+          <a:fontRef idx="minor">
+            <a:schemeClr val="lt1"/>
+          </a:fontRef>
+        </p:style>
+        <p:txBody>
+          <a:bodyPr rtlCol="0" anchor="ctr"/>
+          <a:lstStyle/>
+          <a:p>
+            <a:pPr algn="ctr"/>
+            <a:endParaRPr lang="ko-KR" altLang="en-US" dirty="0"/>
+          </a:p>
+        </p:txBody>
+      </p:sp>
+      <p:sp>
+        <p:nvSpPr>
+          <p:cNvPr id="5" name="TextBox 4"/>
+          <p:cNvSpPr txBox="1"/>
+          <p:nvPr/>
+        </p:nvSpPr>
+        <p:spPr>
+          <a:xfrm>
+            <a:off x="466326" y="258334"/>
+            <a:ext cx="3198311" cy="923330"/>
+          </a:xfrm>
+          <a:prstGeom prst="rect">
+            <a:avLst/>
+          </a:prstGeom>
+          <a:noFill/>
+        </p:spPr>
+        <p:txBody>
+          <a:bodyPr wrap="none" rtlCol="0">
+            <a:spAutoFit/>
+          </a:bodyPr>
+          <a:lstStyle/>
+          <a:p>
+            <a:r>
+              <a:rPr lang="ko-KR" altLang="en-US" sz="5400" b="1" dirty="0"/>
+              <a:t>개발 환경</a:t>
+            </a:r>
+          </a:p>
+        </p:txBody>
+      </p:sp>
+      <p:sp>
+        <p:nvSpPr>
+          <p:cNvPr id="11" name="타원 10"/>
+          <p:cNvSpPr/>
+          <p:nvPr/>
+        </p:nvSpPr>
+        <p:spPr>
+          <a:xfrm>
+            <a:off x="2585496" y="1578312"/>
+            <a:ext cx="2609382" cy="2494692"/>
+          </a:xfrm>
+          <a:prstGeom prst="ellipse">
+            <a:avLst/>
+          </a:prstGeom>
+          <a:solidFill>
+            <a:schemeClr val="bg2">
+              <a:lumMod val="90000"/>
+            </a:schemeClr>
+          </a:solidFill>
+          <a:ln>
+            <a:noFill/>
+          </a:ln>
+          <a:effectLst>
+            <a:outerShdw blurRad="44450" dist="27940" dir="5400000" algn="ctr">
+              <a:srgbClr val="000000">
+                <a:alpha val="32000"/>
+              </a:srgbClr>
+            </a:outerShdw>
+          </a:effectLst>
+        </p:spPr>
+        <p:style>
+          <a:lnRef idx="2">
+            <a:schemeClr val="accent1">
+              <a:shade val="50000"/>
+            </a:schemeClr>
+          </a:lnRef>
+          <a:fillRef idx="1">
+            <a:schemeClr val="accent1"/>
+          </a:fillRef>
+          <a:effectRef idx="0">
+            <a:schemeClr val="accent1"/>
+          </a:effectRef>
+          <a:fontRef idx="minor">
+            <a:schemeClr val="lt1"/>
+          </a:fontRef>
+        </p:style>
+        <p:txBody>
+          <a:bodyPr rtlCol="0" anchor="ctr"/>
+          <a:lstStyle/>
+          <a:p>
+            <a:pPr algn="ctr"/>
+            <a:endParaRPr lang="ko-KR" altLang="en-US"/>
+          </a:p>
+        </p:txBody>
+      </p:sp>
+      <p:pic>
+        <p:nvPicPr>
+          <p:cNvPr id="13" name="그림 12"/>
+          <p:cNvPicPr>
+            <a:picLocks noChangeAspect="1"/>
+          </p:cNvPicPr>
+          <p:nvPr/>
+        </p:nvPicPr>
+        <p:blipFill>
+          <a:blip r:embed="rId2" cstate="print">
+            <a:extLst>
+              <a:ext uri="{28A0092B-C50C-407E-A947-70E740481C1C}">
+                <a14:useLocalDpi xmlns:a14="http://schemas.microsoft.com/office/drawing/2010/main" val="0"/>
+              </a:ext>
+            </a:extLst>
+          </a:blip>
+          <a:stretch>
+            <a:fillRect/>
+          </a:stretch>
+        </p:blipFill>
+        <p:spPr>
+          <a:xfrm>
+            <a:off x="2762085" y="2316980"/>
+            <a:ext cx="2254727" cy="1016908"/>
+          </a:xfrm>
+          <a:prstGeom prst="rect">
+            <a:avLst/>
+          </a:prstGeom>
+          <a:ln>
+            <a:noFill/>
+          </a:ln>
+        </p:spPr>
+      </p:pic>
+      <p:sp>
+        <p:nvSpPr>
+          <p:cNvPr id="8" name="TextBox 7"/>
+          <p:cNvSpPr txBox="1"/>
+          <p:nvPr/>
+        </p:nvSpPr>
+        <p:spPr>
+          <a:xfrm>
+            <a:off x="3127060" y="4469652"/>
+            <a:ext cx="1524776" cy="1200329"/>
+          </a:xfrm>
+          <a:prstGeom prst="rect">
+            <a:avLst/>
+          </a:prstGeom>
+          <a:noFill/>
+        </p:spPr>
+        <p:txBody>
+          <a:bodyPr wrap="none" rtlCol="0">
+            <a:spAutoFit/>
+          </a:bodyPr>
+          <a:lstStyle/>
+          <a:p>
+            <a:pPr algn="ctr"/>
+            <a:r>
+              <a:rPr lang="ko-KR" altLang="en-US" sz="2400" b="1" dirty="0"/>
+              <a:t>개발 도구</a:t>
+            </a:r>
+            <a:endParaRPr lang="en-US" altLang="ko-KR" sz="2400" b="1" dirty="0"/>
+          </a:p>
+          <a:p>
+            <a:pPr algn="ctr"/>
+            <a:endParaRPr lang="en-US" altLang="ko-KR" sz="2400" b="1" dirty="0"/>
+          </a:p>
+          <a:p>
+            <a:pPr algn="ctr"/>
+            <a:r>
+              <a:rPr lang="en-US" altLang="ko-KR" sz="2400" b="1" dirty="0"/>
+              <a:t>VS Code</a:t>
+            </a:r>
+            <a:endParaRPr lang="ko-KR" altLang="en-US" sz="2400" b="1" dirty="0"/>
+          </a:p>
+        </p:txBody>
+      </p:sp>
+      <p:sp>
+        <p:nvSpPr>
+          <p:cNvPr id="17" name="TextBox 16"/>
+          <p:cNvSpPr txBox="1"/>
+          <p:nvPr/>
+        </p:nvSpPr>
+        <p:spPr>
+          <a:xfrm>
+            <a:off x="7222820" y="4469652"/>
+            <a:ext cx="2549159" cy="1200329"/>
+          </a:xfrm>
+          <a:prstGeom prst="rect">
+            <a:avLst/>
+          </a:prstGeom>
+          <a:noFill/>
+        </p:spPr>
+        <p:txBody>
+          <a:bodyPr wrap="none" rtlCol="0">
+            <a:spAutoFit/>
+          </a:bodyPr>
+          <a:lstStyle/>
+          <a:p>
+            <a:pPr algn="ctr"/>
+            <a:r>
+              <a:rPr lang="ko-KR" altLang="en-US" sz="2400" b="1" dirty="0"/>
+              <a:t>협업 도구</a:t>
+            </a:r>
+            <a:endParaRPr lang="en-US" altLang="ko-KR" sz="2400" b="1" dirty="0"/>
+          </a:p>
+          <a:p>
+            <a:pPr algn="ctr"/>
+            <a:endParaRPr lang="en-US" altLang="ko-KR" sz="2400" b="1" dirty="0"/>
+          </a:p>
+          <a:p>
+            <a:pPr algn="ctr"/>
+            <a:r>
+              <a:rPr lang="en-US" altLang="ko-KR" sz="2400" b="1" dirty="0"/>
+              <a:t>GitHub Desktop</a:t>
+            </a:r>
+            <a:endParaRPr lang="ko-KR" altLang="en-US" sz="2400" b="1" dirty="0"/>
+          </a:p>
+        </p:txBody>
+      </p:sp>
+      <p:sp>
+        <p:nvSpPr>
+          <p:cNvPr id="18" name="타원 17"/>
+          <p:cNvSpPr/>
+          <p:nvPr/>
+        </p:nvSpPr>
+        <p:spPr>
+          <a:xfrm>
+            <a:off x="7192709" y="1578536"/>
+            <a:ext cx="2609382" cy="2494692"/>
+          </a:xfrm>
+          <a:prstGeom prst="ellipse">
+            <a:avLst/>
+          </a:prstGeom>
+          <a:solidFill>
+            <a:schemeClr val="bg2">
+              <a:lumMod val="90000"/>
+            </a:schemeClr>
+          </a:solidFill>
+          <a:ln>
+            <a:noFill/>
+          </a:ln>
+          <a:effectLst>
+            <a:outerShdw blurRad="44450" dist="27940" dir="5400000" algn="ctr">
+              <a:srgbClr val="000000">
+                <a:alpha val="32000"/>
+              </a:srgbClr>
+            </a:outerShdw>
+          </a:effectLst>
+        </p:spPr>
+        <p:style>
+          <a:lnRef idx="2">
+            <a:schemeClr val="accent1">
+              <a:shade val="50000"/>
+            </a:schemeClr>
+          </a:lnRef>
+          <a:fillRef idx="1">
+            <a:schemeClr val="accent1"/>
+          </a:fillRef>
+          <a:effectRef idx="0">
+            <a:schemeClr val="accent1"/>
+          </a:effectRef>
+          <a:fontRef idx="minor">
+            <a:schemeClr val="lt1"/>
+          </a:fontRef>
+        </p:style>
+        <p:txBody>
+          <a:bodyPr rtlCol="0" anchor="ctr"/>
+          <a:lstStyle/>
+          <a:p>
+            <a:pPr algn="ctr"/>
+            <a:endParaRPr lang="ko-KR" altLang="en-US"/>
+          </a:p>
+        </p:txBody>
+      </p:sp>
+      <p:pic>
+        <p:nvPicPr>
+          <p:cNvPr id="15" name="그림 14"/>
+          <p:cNvPicPr>
+            <a:picLocks noChangeAspect="1"/>
+          </p:cNvPicPr>
+          <p:nvPr/>
+        </p:nvPicPr>
+        <p:blipFill>
+          <a:blip r:embed="rId3" cstate="print">
+            <a:extLst>
+              <a:ext uri="{28A0092B-C50C-407E-A947-70E740481C1C}">
+                <a14:useLocalDpi xmlns:a14="http://schemas.microsoft.com/office/drawing/2010/main" val="0"/>
+              </a:ext>
+            </a:extLst>
+          </a:blip>
+          <a:stretch>
+            <a:fillRect/>
+          </a:stretch>
+        </p:blipFill>
+        <p:spPr>
+          <a:xfrm>
+            <a:off x="7528084" y="1914401"/>
+            <a:ext cx="1938632" cy="1822962"/>
+          </a:xfrm>
+          <a:prstGeom prst="rect">
+            <a:avLst/>
+          </a:prstGeom>
+          <a:ln>
+            <a:noFill/>
+          </a:ln>
+        </p:spPr>
+      </p:pic>
+    </p:spTree>
+    <p:extLst>
+      <p:ext uri="{BB962C8B-B14F-4D97-AF65-F5344CB8AC3E}">
+        <p14:creationId xmlns:p14="http://schemas.microsoft.com/office/powerpoint/2010/main" val="3614603374"/>
+      </p:ext>
+    </p:extLst>
+  </p:cSld>
+  <p:clrMapOvr>
+    <a:masterClrMapping/>
+  </p:clrMapOvr>
+</p:sld>
+</file>
+
+<file path=ppt/slides/slide9.xml><?xml version="1.0" encoding="utf-8"?>
+<p:sld xmlns:a="http://schemas.openxmlformats.org/drawingml/2006/main" xmlns:r="http://schemas.openxmlformats.org/officeDocument/2006/relationships" xmlns:p="http://schemas.openxmlformats.org/presentationml/2006/main">
+  <p:cSld>
+    <p:spTree>
+      <p:nvGrpSpPr>
+        <p:cNvPr id="1" name=""/>
+        <p:cNvGrpSpPr/>
+        <p:nvPr/>
+      </p:nvGrpSpPr>
+      <p:grpSpPr>
+        <a:xfrm>
+          <a:off x="0" y="0"/>
+          <a:ext cx="0" cy="0"/>
+          <a:chOff x="0" y="0"/>
+          <a:chExt cx="0" cy="0"/>
+        </a:xfrm>
+      </p:grpSpPr>
+      <p:sp>
+        <p:nvSpPr>
+          <p:cNvPr id="4" name="직사각형 3"/>
+          <p:cNvSpPr/>
+          <p:nvPr/>
+        </p:nvSpPr>
+        <p:spPr>
+          <a:xfrm>
+            <a:off x="0" y="-1"/>
+            <a:ext cx="180000" cy="1440000"/>
+          </a:xfrm>
+          <a:prstGeom prst="rect">
+            <a:avLst/>
+          </a:prstGeom>
+          <a:solidFill>
+            <a:srgbClr val="49A6A6"/>
+          </a:solidFill>
+          <a:ln>
+            <a:noFill/>
+          </a:ln>
+        </p:spPr>
+        <p:style>
+          <a:lnRef idx="2">
+            <a:schemeClr val="accent1">
+              <a:shade val="50000"/>
+            </a:schemeClr>
+          </a:lnRef>
+          <a:fillRef idx="1">
+            <a:schemeClr val="accent1"/>
+          </a:fillRef>
+          <a:effectRef idx="0">
+            <a:schemeClr val="accent1"/>
+          </a:effectRef>
+          <a:fontRef idx="minor">
+            <a:schemeClr val="lt1"/>
+          </a:fontRef>
+        </p:style>
+        <p:txBody>
+          <a:bodyPr rtlCol="0" anchor="ctr"/>
+          <a:lstStyle/>
+          <a:p>
+            <a:pPr algn="ctr"/>
+            <a:endParaRPr lang="ko-KR" altLang="en-US" dirty="0"/>
+          </a:p>
+        </p:txBody>
+      </p:sp>
+      <p:sp>
+        <p:nvSpPr>
+          <p:cNvPr id="5" name="TextBox 4"/>
+          <p:cNvSpPr txBox="1"/>
+          <p:nvPr/>
+        </p:nvSpPr>
+        <p:spPr>
+          <a:xfrm>
+            <a:off x="466326" y="258334"/>
+            <a:ext cx="4826962" cy="923330"/>
+          </a:xfrm>
+          <a:prstGeom prst="rect">
+            <a:avLst/>
+          </a:prstGeom>
+          <a:noFill/>
+        </p:spPr>
+        <p:txBody>
+          <a:bodyPr wrap="none" rtlCol="0">
+            <a:spAutoFit/>
+          </a:bodyPr>
+          <a:lstStyle/>
+          <a:p>
+            <a:r>
+              <a:rPr lang="ko-KR" altLang="en-US" sz="5400" b="1" dirty="0"/>
+              <a:t>도구 선정 이유</a:t>
+            </a:r>
+          </a:p>
+        </p:txBody>
+      </p:sp>
+      <p:pic>
+        <p:nvPicPr>
+          <p:cNvPr id="30" name="그림 29"/>
+          <p:cNvPicPr>
+            <a:picLocks noChangeAspect="1"/>
+          </p:cNvPicPr>
+          <p:nvPr/>
+        </p:nvPicPr>
+        <p:blipFill>
+          <a:blip r:embed="rId2" cstate="print">
+            <a:extLst>
+              <a:ext uri="{28A0092B-C50C-407E-A947-70E740481C1C}">
+                <a14:useLocalDpi xmlns:a14="http://schemas.microsoft.com/office/drawing/2010/main" val="0"/>
+              </a:ext>
+            </a:extLst>
+          </a:blip>
+          <a:stretch>
+            <a:fillRect/>
+          </a:stretch>
+        </p:blipFill>
+        <p:spPr>
+          <a:xfrm>
+            <a:off x="1855583" y="2346792"/>
+            <a:ext cx="2254727" cy="1016908"/>
+          </a:xfrm>
+          <a:prstGeom prst="rect">
+            <a:avLst/>
+          </a:prstGeom>
+          <a:ln>
+            <a:noFill/>
+          </a:ln>
+        </p:spPr>
+      </p:pic>
+      <p:pic>
+        <p:nvPicPr>
+          <p:cNvPr id="33" name="그림 32"/>
+          <p:cNvPicPr>
+            <a:picLocks noChangeAspect="1"/>
+          </p:cNvPicPr>
+          <p:nvPr/>
+        </p:nvPicPr>
+        <p:blipFill>
+          <a:blip r:embed="rId3" cstate="print">
+            <a:extLst>
+              <a:ext uri="{28A0092B-C50C-407E-A947-70E740481C1C}">
+                <a14:useLocalDpi xmlns:a14="http://schemas.microsoft.com/office/drawing/2010/main" val="0"/>
+              </a:ext>
+            </a:extLst>
+          </a:blip>
+          <a:stretch>
+            <a:fillRect/>
+          </a:stretch>
+        </p:blipFill>
+        <p:spPr>
+          <a:xfrm>
+            <a:off x="8214677" y="2255772"/>
+            <a:ext cx="1383034" cy="1300514"/>
+          </a:xfrm>
+          <a:prstGeom prst="rect">
+            <a:avLst/>
+          </a:prstGeom>
+          <a:ln>
+            <a:noFill/>
+          </a:ln>
+        </p:spPr>
+      </p:pic>
+      <p:sp>
+        <p:nvSpPr>
+          <p:cNvPr id="3" name="TextBox 2"/>
+          <p:cNvSpPr txBox="1"/>
+          <p:nvPr/>
+        </p:nvSpPr>
+        <p:spPr>
+          <a:xfrm>
+            <a:off x="645595" y="3622968"/>
+            <a:ext cx="4286751" cy="369332"/>
+          </a:xfrm>
+          <a:prstGeom prst="rect">
+            <a:avLst/>
+          </a:prstGeom>
+          <a:noFill/>
+        </p:spPr>
+        <p:txBody>
+          <a:bodyPr wrap="none" rtlCol="0">
+            <a:spAutoFit/>
+          </a:bodyPr>
+          <a:lstStyle/>
+          <a:p>
+            <a:r>
+              <a:rPr lang="ko-KR" altLang="en-US" dirty="0"/>
+              <a:t>▶ 대부분의 주요 프로그래밍 언어 지원</a:t>
+            </a:r>
+          </a:p>
+        </p:txBody>
+      </p:sp>
+      <p:sp>
+        <p:nvSpPr>
+          <p:cNvPr id="34" name="TextBox 33"/>
+          <p:cNvSpPr txBox="1"/>
+          <p:nvPr/>
+        </p:nvSpPr>
+        <p:spPr>
+          <a:xfrm>
+            <a:off x="645595" y="3996013"/>
+            <a:ext cx="4882234" cy="369332"/>
+          </a:xfrm>
+          <a:prstGeom prst="rect">
+            <a:avLst/>
+          </a:prstGeom>
+          <a:noFill/>
+        </p:spPr>
+        <p:txBody>
+          <a:bodyPr wrap="none" rtlCol="0">
+            <a:spAutoFit/>
+          </a:bodyPr>
+          <a:lstStyle/>
+          <a:p>
+            <a:r>
+              <a:rPr lang="ko-KR" altLang="en-US" dirty="0"/>
+              <a:t>▶ 터미널을 통한 </a:t>
+            </a:r>
+            <a:r>
+              <a:rPr lang="en-US" altLang="ko-KR" dirty="0" err="1"/>
+              <a:t>Cmd</a:t>
+            </a:r>
+            <a:r>
+              <a:rPr lang="en-US" altLang="ko-KR" dirty="0"/>
+              <a:t>, PowerShell </a:t>
+            </a:r>
+            <a:r>
+              <a:rPr lang="ko-KR" altLang="en-US" dirty="0"/>
+              <a:t>사용 용이</a:t>
+            </a:r>
+          </a:p>
+        </p:txBody>
+      </p:sp>
+      <p:sp>
+        <p:nvSpPr>
+          <p:cNvPr id="39" name="TextBox 38"/>
+          <p:cNvSpPr txBox="1"/>
+          <p:nvPr/>
+        </p:nvSpPr>
+        <p:spPr>
+          <a:xfrm>
+            <a:off x="6691485" y="3654024"/>
+            <a:ext cx="4429418" cy="369332"/>
+          </a:xfrm>
+          <a:prstGeom prst="rect">
+            <a:avLst/>
+          </a:prstGeom>
+          <a:noFill/>
+        </p:spPr>
+        <p:txBody>
+          <a:bodyPr wrap="none" rtlCol="0">
+            <a:spAutoFit/>
+          </a:bodyPr>
+          <a:lstStyle/>
+          <a:p>
+            <a:r>
+              <a:rPr lang="ko-KR" altLang="en-US" dirty="0"/>
+              <a:t>▶ 대부분의 </a:t>
+            </a:r>
+            <a:r>
+              <a:rPr lang="en-US" altLang="ko-KR" dirty="0" err="1"/>
+              <a:t>Git</a:t>
+            </a:r>
+            <a:r>
+              <a:rPr lang="en-US" altLang="ko-KR" dirty="0"/>
+              <a:t> </a:t>
+            </a:r>
+            <a:r>
+              <a:rPr lang="ko-KR" altLang="en-US" dirty="0"/>
+              <a:t>작업을 </a:t>
+            </a:r>
+            <a:r>
+              <a:rPr lang="en-US" altLang="ko-KR" dirty="0"/>
+              <a:t>UI</a:t>
+            </a:r>
+            <a:r>
+              <a:rPr lang="ko-KR" altLang="en-US" dirty="0"/>
+              <a:t>에서 수행 가능</a:t>
+            </a:r>
+          </a:p>
+        </p:txBody>
+      </p:sp>
+      <p:sp>
+        <p:nvSpPr>
+          <p:cNvPr id="40" name="TextBox 39"/>
+          <p:cNvSpPr txBox="1"/>
+          <p:nvPr/>
+        </p:nvSpPr>
+        <p:spPr>
+          <a:xfrm>
+            <a:off x="6691485" y="4020177"/>
+            <a:ext cx="3050835" cy="369332"/>
+          </a:xfrm>
+          <a:prstGeom prst="rect">
+            <a:avLst/>
+          </a:prstGeom>
+          <a:noFill/>
+        </p:spPr>
+        <p:txBody>
+          <a:bodyPr wrap="none" rtlCol="0">
+            <a:spAutoFit/>
+          </a:bodyPr>
+          <a:lstStyle/>
+          <a:p>
+            <a:r>
+              <a:rPr lang="ko-KR" altLang="en-US" dirty="0"/>
+              <a:t>▶ 개발 워크 플로우 단순화</a:t>
+            </a:r>
+          </a:p>
+        </p:txBody>
+      </p:sp>
+    </p:spTree>
+    <p:extLst>
+      <p:ext uri="{BB962C8B-B14F-4D97-AF65-F5344CB8AC3E}">
+        <p14:creationId xmlns:p14="http://schemas.microsoft.com/office/powerpoint/2010/main" val="36158573"/>
       </p:ext>
     </p:extLst>
   </p:cSld>
